--- a/sem17_18_wachstumsmodelle_präsentation_final.pptx
+++ b/sem17_18_wachstumsmodelle_präsentation_final.pptx
@@ -5,10 +5,10 @@
     <p:sldMasterId id="2147483658" r:id="rId1"/>
   </p:sldMasterIdLst>
   <p:notesMasterIdLst>
-    <p:notesMasterId r:id="rId25"/>
+    <p:notesMasterId r:id="rId27"/>
   </p:notesMasterIdLst>
   <p:handoutMasterIdLst>
-    <p:handoutMasterId r:id="rId26"/>
+    <p:handoutMasterId r:id="rId28"/>
   </p:handoutMasterIdLst>
   <p:sldIdLst>
     <p:sldId id="290" r:id="rId2"/>
@@ -22,18 +22,20 @@
     <p:sldId id="297" r:id="rId10"/>
     <p:sldId id="298" r:id="rId11"/>
     <p:sldId id="299" r:id="rId12"/>
-    <p:sldId id="283" r:id="rId13"/>
-    <p:sldId id="284" r:id="rId14"/>
-    <p:sldId id="285" r:id="rId15"/>
-    <p:sldId id="286" r:id="rId16"/>
-    <p:sldId id="281" r:id="rId17"/>
-    <p:sldId id="287" r:id="rId18"/>
-    <p:sldId id="282" r:id="rId19"/>
-    <p:sldId id="288" r:id="rId20"/>
-    <p:sldId id="302" r:id="rId21"/>
-    <p:sldId id="304" r:id="rId22"/>
-    <p:sldId id="300" r:id="rId23"/>
-    <p:sldId id="301" r:id="rId24"/>
+    <p:sldId id="305" r:id="rId13"/>
+    <p:sldId id="306" r:id="rId14"/>
+    <p:sldId id="307" r:id="rId15"/>
+    <p:sldId id="308" r:id="rId16"/>
+    <p:sldId id="309" r:id="rId17"/>
+    <p:sldId id="310" r:id="rId18"/>
+    <p:sldId id="311" r:id="rId19"/>
+    <p:sldId id="312" r:id="rId20"/>
+    <p:sldId id="313" r:id="rId21"/>
+    <p:sldId id="314" r:id="rId22"/>
+    <p:sldId id="304" r:id="rId23"/>
+    <p:sldId id="300" r:id="rId24"/>
+    <p:sldId id="301" r:id="rId25"/>
+    <p:sldId id="317" r:id="rId26"/>
   </p:sldIdLst>
   <p:sldSz cx="9144000" cy="5143500" type="screen16x9"/>
   <p:notesSz cx="6858000" cy="9144000"/>
@@ -1035,10 +1037,9 @@
           <a:lstStyle/>
           <a:p>
             <a:r>
-              <a:rPr lang="de-DE" dirty="0" smtClean="0"/>
+              <a:rPr lang="de-DE" dirty="0"/>
               <a:t>Weitere Wachstumsmodelle: Viren, Population, Lernkurven durch Übung wiederholter Tätigkeiten</a:t>
             </a:r>
-            <a:endParaRPr lang="de-DE" dirty="0"/>
           </a:p>
         </p:txBody>
       </p:sp>
@@ -1246,22 +1247,22 @@
               <a:defRPr/>
             </a:pPr>
             <a:r>
-              <a:rPr lang="de-DE" dirty="0" smtClean="0"/>
+              <a:rPr lang="de-DE" dirty="0"/>
               <a:t>Quadratisch → Grad 2, liefert</a:t>
             </a:r>
             <a:r>
-              <a:rPr lang="de-DE" baseline="0" dirty="0" smtClean="0"/>
+              <a:rPr lang="de-DE" baseline="0" dirty="0"/>
               <a:t> gute </a:t>
             </a:r>
             <a:r>
-              <a:rPr lang="de-DE" baseline="0" dirty="0" err="1" smtClean="0"/>
+              <a:rPr lang="de-DE" baseline="0" dirty="0" err="1"/>
               <a:t>Fits</a:t>
             </a:r>
             <a:r>
-              <a:rPr lang="de-DE" baseline="0" dirty="0" smtClean="0"/>
+              <a:rPr lang="de-DE" baseline="0" dirty="0"/>
               <a:t> für Konstante Daten (Grad 0), lineare Daten (Grad 1) und  quadratische Daten (Grad 2)</a:t>
             </a:r>
-            <a:endParaRPr lang="de-DE" dirty="0" smtClean="0"/>
+            <a:endParaRPr lang="de-DE" dirty="0"/>
           </a:p>
           <a:p>
             <a:endParaRPr lang="de-DE" dirty="0"/>
@@ -1286,7 +1287,7 @@
             <a:fld id="{6706D1AF-4C0D-4753-9D96-DDC1A4BC5412}" type="slidenum">
               <a:rPr lang="de-DE" smtClean="0"/>
               <a:pPr/>
-              <a:t>21</a:t>
+              <a:t>22</a:t>
             </a:fld>
             <a:endParaRPr lang="de-DE"/>
           </a:p>
@@ -7593,13 +7594,6 @@
   <p:clrMapOvr>
     <a:masterClrMapping/>
   </p:clrMapOvr>
-  <p:timing>
-    <p:tnLst>
-      <p:par>
-        <p:cTn id="1" dur="indefinite" restart="never" nodeType="tmRoot"/>
-      </p:par>
-    </p:tnLst>
-  </p:timing>
 </p:sld>
 </file>
 
@@ -9110,6 +9104,153 @@
           </a:p>
         </p:txBody>
       </p:sp>
+      <mc:AlternateContent xmlns:mc="http://schemas.openxmlformats.org/markup-compatibility/2006">
+        <mc:Choice xmlns:a14="http://schemas.microsoft.com/office/drawing/2010/main" Requires="a14">
+          <p:sp>
+            <p:nvSpPr>
+              <p:cNvPr id="3" name="Rechteck 2">
+                <a:extLst>
+                  <a:ext uri="{FF2B5EF4-FFF2-40B4-BE49-F238E27FC236}">
+                    <a16:creationId xmlns:a16="http://schemas.microsoft.com/office/drawing/2014/main" id="{3832E256-6E84-44C2-84EF-CCC79523AA33}"/>
+                  </a:ext>
+                </a:extLst>
+              </p:cNvPr>
+              <p:cNvSpPr/>
+              <p:nvPr/>
+            </p:nvSpPr>
+            <p:spPr>
+              <a:xfrm>
+                <a:off x="179512" y="1203598"/>
+                <a:ext cx="1808444" cy="369332"/>
+              </a:xfrm>
+              <a:prstGeom prst="rect">
+                <a:avLst/>
+              </a:prstGeom>
+            </p:spPr>
+            <p:txBody>
+              <a:bodyPr wrap="none">
+                <a:spAutoFit/>
+              </a:bodyPr>
+              <a:lstStyle/>
+              <a:p>
+                <a14:m>
+                  <m:oMathPara xmlns:m="http://schemas.openxmlformats.org/officeDocument/2006/math">
+                    <m:oMathParaPr>
+                      <m:jc m:val="centerGroup"/>
+                    </m:oMathParaPr>
+                    <m:oMath xmlns:m="http://schemas.openxmlformats.org/officeDocument/2006/math">
+                      <m:r>
+                        <a:rPr lang="de-DE" i="1" smtClean="0">
+                          <a:latin typeface="Cambria Math" panose="02040503050406030204" pitchFamily="18" charset="0"/>
+                        </a:rPr>
+                        <m:t>𝑓</m:t>
+                      </m:r>
+                      <m:d>
+                        <m:dPr>
+                          <m:ctrlPr>
+                            <a:rPr lang="de-DE" i="1">
+                              <a:latin typeface="Cambria Math" panose="02040503050406030204" pitchFamily="18" charset="0"/>
+                            </a:rPr>
+                          </m:ctrlPr>
+                        </m:dPr>
+                        <m:e>
+                          <m:r>
+                            <a:rPr lang="de-DE" i="1">
+                              <a:latin typeface="Cambria Math" panose="02040503050406030204" pitchFamily="18" charset="0"/>
+                            </a:rPr>
+                            <m:t>𝑥</m:t>
+                          </m:r>
+                        </m:e>
+                      </m:d>
+                      <m:r>
+                        <a:rPr lang="de-DE" i="1">
+                          <a:latin typeface="Cambria Math" panose="02040503050406030204" pitchFamily="18" charset="0"/>
+                        </a:rPr>
+                        <m:t>=</m:t>
+                      </m:r>
+                      <m:r>
+                        <a:rPr lang="de-DE" b="0" i="1" smtClean="0">
+                          <a:latin typeface="Cambria Math" panose="02040503050406030204" pitchFamily="18" charset="0"/>
+                        </a:rPr>
+                        <m:t>𝑠</m:t>
+                      </m:r>
+                      <m:r>
+                        <a:rPr lang="de-DE" b="0" i="1" smtClean="0">
+                          <a:latin typeface="Cambria Math" panose="02040503050406030204" pitchFamily="18" charset="0"/>
+                        </a:rPr>
+                        <m:t>∗</m:t>
+                      </m:r>
+                      <m:r>
+                        <a:rPr lang="de-DE" i="1">
+                          <a:latin typeface="Cambria Math" panose="02040503050406030204" pitchFamily="18" charset="0"/>
+                        </a:rPr>
+                        <m:t>𝑥</m:t>
+                      </m:r>
+                      <m:r>
+                        <a:rPr lang="de-DE" i="1">
+                          <a:latin typeface="Cambria Math" panose="02040503050406030204" pitchFamily="18" charset="0"/>
+                        </a:rPr>
+                        <m:t>+</m:t>
+                      </m:r>
+                      <m:r>
+                        <a:rPr lang="de-DE" b="0" i="1" smtClean="0">
+                          <a:latin typeface="Cambria Math" panose="02040503050406030204" pitchFamily="18" charset="0"/>
+                        </a:rPr>
+                        <m:t>𝑖</m:t>
+                      </m:r>
+                    </m:oMath>
+                  </m:oMathPara>
+                </a14:m>
+                <a:endParaRPr lang="de-DE" dirty="0"/>
+              </a:p>
+            </p:txBody>
+          </p:sp>
+        </mc:Choice>
+        <mc:Fallback>
+          <p:sp>
+            <p:nvSpPr>
+              <p:cNvPr id="3" name="Rechteck 2">
+                <a:extLst>
+                  <a:ext uri="{FF2B5EF4-FFF2-40B4-BE49-F238E27FC236}">
+                    <a16:creationId xmlns:a16="http://schemas.microsoft.com/office/drawing/2014/main" id="{3832E256-6E84-44C2-84EF-CCC79523AA33}"/>
+                  </a:ext>
+                </a:extLst>
+              </p:cNvPr>
+              <p:cNvSpPr>
+                <a:spLocks noRot="1" noChangeAspect="1" noMove="1" noResize="1" noEditPoints="1" noAdjustHandles="1" noChangeArrowheads="1" noChangeShapeType="1" noTextEdit="1"/>
+              </p:cNvSpPr>
+              <p:nvPr/>
+            </p:nvSpPr>
+            <p:spPr>
+              <a:xfrm>
+                <a:off x="179512" y="1203598"/>
+                <a:ext cx="1808444" cy="369332"/>
+              </a:xfrm>
+              <a:prstGeom prst="rect">
+                <a:avLst/>
+              </a:prstGeom>
+              <a:blipFill>
+                <a:blip r:embed="rId3"/>
+                <a:stretch>
+                  <a:fillRect b="-13115"/>
+                </a:stretch>
+              </a:blipFill>
+            </p:spPr>
+            <p:txBody>
+              <a:bodyPr/>
+              <a:lstStyle/>
+              <a:p>
+                <a:r>
+                  <a:rPr lang="en-NZ">
+                    <a:noFill/>
+                  </a:rPr>
+                  <a:t> </a:t>
+                </a:r>
+              </a:p>
+            </p:txBody>
+          </p:sp>
+        </mc:Fallback>
+      </mc:AlternateContent>
     </p:spTree>
     <p:extLst>
       <p:ext uri="{BB962C8B-B14F-4D97-AF65-F5344CB8AC3E}">
@@ -10228,6 +10369,196 @@
           </a:p>
         </p:txBody>
       </p:sp>
+      <mc:AlternateContent xmlns:mc="http://schemas.openxmlformats.org/markup-compatibility/2006">
+        <mc:Choice xmlns:a14="http://schemas.microsoft.com/office/drawing/2010/main" Requires="a14">
+          <p:sp>
+            <p:nvSpPr>
+              <p:cNvPr id="5" name="Rechteck 4">
+                <a:extLst>
+                  <a:ext uri="{FF2B5EF4-FFF2-40B4-BE49-F238E27FC236}">
+                    <a16:creationId xmlns:a16="http://schemas.microsoft.com/office/drawing/2014/main" id="{BF34EA1B-77C1-443F-9F6C-A614BE69AA26}"/>
+                  </a:ext>
+                </a:extLst>
+              </p:cNvPr>
+              <p:cNvSpPr/>
+              <p:nvPr/>
+            </p:nvSpPr>
+            <p:spPr>
+              <a:xfrm>
+                <a:off x="67322" y="1100047"/>
+                <a:ext cx="2778005" cy="369332"/>
+              </a:xfrm>
+              <a:prstGeom prst="rect">
+                <a:avLst/>
+              </a:prstGeom>
+            </p:spPr>
+            <p:txBody>
+              <a:bodyPr wrap="none">
+                <a:spAutoFit/>
+              </a:bodyPr>
+              <a:lstStyle/>
+              <a:p>
+                <a14:m>
+                  <m:oMathPara xmlns:m="http://schemas.openxmlformats.org/officeDocument/2006/math">
+                    <m:oMathParaPr>
+                      <m:jc m:val="centerGroup"/>
+                    </m:oMathParaPr>
+                    <m:oMath xmlns:m="http://schemas.openxmlformats.org/officeDocument/2006/math">
+                      <m:r>
+                        <a:rPr lang="de-DE" i="1" smtClean="0">
+                          <a:latin typeface="Cambria Math" panose="02040503050406030204" pitchFamily="18" charset="0"/>
+                        </a:rPr>
+                        <m:t>𝑓</m:t>
+                      </m:r>
+                      <m:d>
+                        <m:dPr>
+                          <m:ctrlPr>
+                            <a:rPr lang="de-DE" i="1">
+                              <a:latin typeface="Cambria Math" panose="02040503050406030204" pitchFamily="18" charset="0"/>
+                            </a:rPr>
+                          </m:ctrlPr>
+                        </m:dPr>
+                        <m:e>
+                          <m:r>
+                            <a:rPr lang="de-DE" i="1">
+                              <a:latin typeface="Cambria Math" panose="02040503050406030204" pitchFamily="18" charset="0"/>
+                            </a:rPr>
+                            <m:t>𝑥</m:t>
+                          </m:r>
+                        </m:e>
+                      </m:d>
+                      <m:r>
+                        <a:rPr lang="de-DE" i="1">
+                          <a:latin typeface="Cambria Math" panose="02040503050406030204" pitchFamily="18" charset="0"/>
+                        </a:rPr>
+                        <m:t>=</m:t>
+                      </m:r>
+                      <m:r>
+                        <a:rPr lang="de-DE" b="0" i="1" smtClean="0">
+                          <a:latin typeface="Cambria Math" panose="02040503050406030204" pitchFamily="18" charset="0"/>
+                        </a:rPr>
+                        <m:t>𝑠</m:t>
+                      </m:r>
+                      <m:r>
+                        <a:rPr lang="de-DE" b="0" i="1" smtClean="0">
+                          <a:latin typeface="Cambria Math" panose="02040503050406030204" pitchFamily="18" charset="0"/>
+                        </a:rPr>
+                        <m:t>2∗</m:t>
+                      </m:r>
+                      <m:sSup>
+                        <m:sSupPr>
+                          <m:ctrlPr>
+                            <a:rPr lang="de-DE" i="1">
+                              <a:latin typeface="Cambria Math" panose="02040503050406030204" pitchFamily="18" charset="0"/>
+                            </a:rPr>
+                          </m:ctrlPr>
+                        </m:sSupPr>
+                        <m:e>
+                          <m:r>
+                            <a:rPr lang="de-DE" i="1">
+                              <a:latin typeface="Cambria Math" panose="02040503050406030204" pitchFamily="18" charset="0"/>
+                            </a:rPr>
+                            <m:t>𝑥</m:t>
+                          </m:r>
+                        </m:e>
+                        <m:sup>
+                          <m:r>
+                            <a:rPr lang="de-DE" i="1">
+                              <a:latin typeface="Cambria Math" panose="02040503050406030204" pitchFamily="18" charset="0"/>
+                            </a:rPr>
+                            <m:t>2</m:t>
+                          </m:r>
+                        </m:sup>
+                      </m:sSup>
+                      <m:r>
+                        <a:rPr lang="de-DE" i="1">
+                          <a:latin typeface="Cambria Math" panose="02040503050406030204" pitchFamily="18" charset="0"/>
+                        </a:rPr>
+                        <m:t>+</m:t>
+                      </m:r>
+                      <m:r>
+                        <a:rPr lang="de-DE" b="0" i="1" smtClean="0">
+                          <a:latin typeface="Cambria Math" panose="02040503050406030204" pitchFamily="18" charset="0"/>
+                        </a:rPr>
+                        <m:t>𝑠</m:t>
+                      </m:r>
+                      <m:r>
+                        <a:rPr lang="de-DE" b="0" i="1" smtClean="0">
+                          <a:latin typeface="Cambria Math" panose="02040503050406030204" pitchFamily="18" charset="0"/>
+                        </a:rPr>
+                        <m:t>∗</m:t>
+                      </m:r>
+                      <m:r>
+                        <a:rPr lang="de-DE" i="1">
+                          <a:latin typeface="Cambria Math" panose="02040503050406030204" pitchFamily="18" charset="0"/>
+                        </a:rPr>
+                        <m:t>𝑥</m:t>
+                      </m:r>
+                      <m:r>
+                        <a:rPr lang="de-DE" i="1">
+                          <a:latin typeface="Cambria Math" panose="02040503050406030204" pitchFamily="18" charset="0"/>
+                        </a:rPr>
+                        <m:t>+</m:t>
+                      </m:r>
+                      <m:r>
+                        <a:rPr lang="de-DE" b="0" i="1" smtClean="0">
+                          <a:latin typeface="Cambria Math" panose="02040503050406030204" pitchFamily="18" charset="0"/>
+                        </a:rPr>
+                        <m:t>𝑖</m:t>
+                      </m:r>
+                    </m:oMath>
+                  </m:oMathPara>
+                </a14:m>
+                <a:endParaRPr lang="de-DE" dirty="0"/>
+              </a:p>
+            </p:txBody>
+          </p:sp>
+        </mc:Choice>
+        <mc:Fallback>
+          <p:sp>
+            <p:nvSpPr>
+              <p:cNvPr id="5" name="Rechteck 4">
+                <a:extLst>
+                  <a:ext uri="{FF2B5EF4-FFF2-40B4-BE49-F238E27FC236}">
+                    <a16:creationId xmlns:a16="http://schemas.microsoft.com/office/drawing/2014/main" id="{BF34EA1B-77C1-443F-9F6C-A614BE69AA26}"/>
+                  </a:ext>
+                </a:extLst>
+              </p:cNvPr>
+              <p:cNvSpPr>
+                <a:spLocks noRot="1" noChangeAspect="1" noMove="1" noResize="1" noEditPoints="1" noAdjustHandles="1" noChangeArrowheads="1" noChangeShapeType="1" noTextEdit="1"/>
+              </p:cNvSpPr>
+              <p:nvPr/>
+            </p:nvSpPr>
+            <p:spPr>
+              <a:xfrm>
+                <a:off x="67322" y="1100047"/>
+                <a:ext cx="2778005" cy="369332"/>
+              </a:xfrm>
+              <a:prstGeom prst="rect">
+                <a:avLst/>
+              </a:prstGeom>
+              <a:blipFill>
+                <a:blip r:embed="rId3"/>
+                <a:stretch>
+                  <a:fillRect b="-13115"/>
+                </a:stretch>
+              </a:blipFill>
+            </p:spPr>
+            <p:txBody>
+              <a:bodyPr/>
+              <a:lstStyle/>
+              <a:p>
+                <a:r>
+                  <a:rPr lang="en-NZ">
+                    <a:noFill/>
+                  </a:rPr>
+                  <a:t> </a:t>
+                </a:r>
+              </a:p>
+            </p:txBody>
+          </p:sp>
+        </mc:Fallback>
+      </mc:AlternateContent>
     </p:spTree>
     <p:extLst>
       <p:ext uri="{BB962C8B-B14F-4D97-AF65-F5344CB8AC3E}">
@@ -11052,6 +11383,196 @@
           </a:p>
         </p:txBody>
       </p:sp>
+      <mc:AlternateContent xmlns:mc="http://schemas.openxmlformats.org/markup-compatibility/2006">
+        <mc:Choice xmlns:a14="http://schemas.microsoft.com/office/drawing/2010/main" Requires="a14">
+          <p:sp>
+            <p:nvSpPr>
+              <p:cNvPr id="27" name="Rechteck 26">
+                <a:extLst>
+                  <a:ext uri="{FF2B5EF4-FFF2-40B4-BE49-F238E27FC236}">
+                    <a16:creationId xmlns:a16="http://schemas.microsoft.com/office/drawing/2014/main" id="{831B135C-E427-482B-B3A4-742AFC8E7C1A}"/>
+                  </a:ext>
+                </a:extLst>
+              </p:cNvPr>
+              <p:cNvSpPr/>
+              <p:nvPr/>
+            </p:nvSpPr>
+            <p:spPr>
+              <a:xfrm>
+                <a:off x="67322" y="1100047"/>
+                <a:ext cx="2778005" cy="369332"/>
+              </a:xfrm>
+              <a:prstGeom prst="rect">
+                <a:avLst/>
+              </a:prstGeom>
+            </p:spPr>
+            <p:txBody>
+              <a:bodyPr wrap="none">
+                <a:spAutoFit/>
+              </a:bodyPr>
+              <a:lstStyle/>
+              <a:p>
+                <a14:m>
+                  <m:oMathPara xmlns:m="http://schemas.openxmlformats.org/officeDocument/2006/math">
+                    <m:oMathParaPr>
+                      <m:jc m:val="centerGroup"/>
+                    </m:oMathParaPr>
+                    <m:oMath xmlns:m="http://schemas.openxmlformats.org/officeDocument/2006/math">
+                      <m:r>
+                        <a:rPr lang="de-DE" i="1" smtClean="0">
+                          <a:latin typeface="Cambria Math" panose="02040503050406030204" pitchFamily="18" charset="0"/>
+                        </a:rPr>
+                        <m:t>𝑓</m:t>
+                      </m:r>
+                      <m:d>
+                        <m:dPr>
+                          <m:ctrlPr>
+                            <a:rPr lang="de-DE" i="1">
+                              <a:latin typeface="Cambria Math" panose="02040503050406030204" pitchFamily="18" charset="0"/>
+                            </a:rPr>
+                          </m:ctrlPr>
+                        </m:dPr>
+                        <m:e>
+                          <m:r>
+                            <a:rPr lang="de-DE" i="1">
+                              <a:latin typeface="Cambria Math" panose="02040503050406030204" pitchFamily="18" charset="0"/>
+                            </a:rPr>
+                            <m:t>𝑥</m:t>
+                          </m:r>
+                        </m:e>
+                      </m:d>
+                      <m:r>
+                        <a:rPr lang="de-DE" i="1">
+                          <a:latin typeface="Cambria Math" panose="02040503050406030204" pitchFamily="18" charset="0"/>
+                        </a:rPr>
+                        <m:t>=</m:t>
+                      </m:r>
+                      <m:r>
+                        <a:rPr lang="de-DE" b="0" i="1" smtClean="0">
+                          <a:latin typeface="Cambria Math" panose="02040503050406030204" pitchFamily="18" charset="0"/>
+                        </a:rPr>
+                        <m:t>𝑠</m:t>
+                      </m:r>
+                      <m:r>
+                        <a:rPr lang="de-DE" b="0" i="1" smtClean="0">
+                          <a:latin typeface="Cambria Math" panose="02040503050406030204" pitchFamily="18" charset="0"/>
+                        </a:rPr>
+                        <m:t>2∗</m:t>
+                      </m:r>
+                      <m:sSup>
+                        <m:sSupPr>
+                          <m:ctrlPr>
+                            <a:rPr lang="de-DE" i="1">
+                              <a:latin typeface="Cambria Math" panose="02040503050406030204" pitchFamily="18" charset="0"/>
+                            </a:rPr>
+                          </m:ctrlPr>
+                        </m:sSupPr>
+                        <m:e>
+                          <m:r>
+                            <a:rPr lang="de-DE" i="1">
+                              <a:latin typeface="Cambria Math" panose="02040503050406030204" pitchFamily="18" charset="0"/>
+                            </a:rPr>
+                            <m:t>𝑥</m:t>
+                          </m:r>
+                        </m:e>
+                        <m:sup>
+                          <m:r>
+                            <a:rPr lang="de-DE" i="1">
+                              <a:latin typeface="Cambria Math" panose="02040503050406030204" pitchFamily="18" charset="0"/>
+                            </a:rPr>
+                            <m:t>2</m:t>
+                          </m:r>
+                        </m:sup>
+                      </m:sSup>
+                      <m:r>
+                        <a:rPr lang="de-DE" i="1">
+                          <a:latin typeface="Cambria Math" panose="02040503050406030204" pitchFamily="18" charset="0"/>
+                        </a:rPr>
+                        <m:t>+</m:t>
+                      </m:r>
+                      <m:r>
+                        <a:rPr lang="de-DE" b="0" i="1" smtClean="0">
+                          <a:latin typeface="Cambria Math" panose="02040503050406030204" pitchFamily="18" charset="0"/>
+                        </a:rPr>
+                        <m:t>𝑠</m:t>
+                      </m:r>
+                      <m:r>
+                        <a:rPr lang="de-DE" b="0" i="1" smtClean="0">
+                          <a:latin typeface="Cambria Math" panose="02040503050406030204" pitchFamily="18" charset="0"/>
+                        </a:rPr>
+                        <m:t>∗</m:t>
+                      </m:r>
+                      <m:r>
+                        <a:rPr lang="de-DE" i="1">
+                          <a:latin typeface="Cambria Math" panose="02040503050406030204" pitchFamily="18" charset="0"/>
+                        </a:rPr>
+                        <m:t>𝑥</m:t>
+                      </m:r>
+                      <m:r>
+                        <a:rPr lang="de-DE" i="1">
+                          <a:latin typeface="Cambria Math" panose="02040503050406030204" pitchFamily="18" charset="0"/>
+                        </a:rPr>
+                        <m:t>+</m:t>
+                      </m:r>
+                      <m:r>
+                        <a:rPr lang="de-DE" b="0" i="1" smtClean="0">
+                          <a:latin typeface="Cambria Math" panose="02040503050406030204" pitchFamily="18" charset="0"/>
+                        </a:rPr>
+                        <m:t>𝑖</m:t>
+                      </m:r>
+                    </m:oMath>
+                  </m:oMathPara>
+                </a14:m>
+                <a:endParaRPr lang="de-DE" dirty="0"/>
+              </a:p>
+            </p:txBody>
+          </p:sp>
+        </mc:Choice>
+        <mc:Fallback>
+          <p:sp>
+            <p:nvSpPr>
+              <p:cNvPr id="27" name="Rechteck 26">
+                <a:extLst>
+                  <a:ext uri="{FF2B5EF4-FFF2-40B4-BE49-F238E27FC236}">
+                    <a16:creationId xmlns:a16="http://schemas.microsoft.com/office/drawing/2014/main" id="{831B135C-E427-482B-B3A4-742AFC8E7C1A}"/>
+                  </a:ext>
+                </a:extLst>
+              </p:cNvPr>
+              <p:cNvSpPr>
+                <a:spLocks noRot="1" noChangeAspect="1" noMove="1" noResize="1" noEditPoints="1" noAdjustHandles="1" noChangeArrowheads="1" noChangeShapeType="1" noTextEdit="1"/>
+              </p:cNvSpPr>
+              <p:nvPr/>
+            </p:nvSpPr>
+            <p:spPr>
+              <a:xfrm>
+                <a:off x="67322" y="1100047"/>
+                <a:ext cx="2778005" cy="369332"/>
+              </a:xfrm>
+              <a:prstGeom prst="rect">
+                <a:avLst/>
+              </a:prstGeom>
+              <a:blipFill>
+                <a:blip r:embed="rId3"/>
+                <a:stretch>
+                  <a:fillRect b="-13115"/>
+                </a:stretch>
+              </a:blipFill>
+            </p:spPr>
+            <p:txBody>
+              <a:bodyPr/>
+              <a:lstStyle/>
+              <a:p>
+                <a:r>
+                  <a:rPr lang="en-NZ">
+                    <a:noFill/>
+                  </a:rPr>
+                  <a:t> </a:t>
+                </a:r>
+              </a:p>
+            </p:txBody>
+          </p:sp>
+        </mc:Fallback>
+      </mc:AlternateContent>
     </p:spTree>
     <p:extLst>
       <p:ext uri="{BB962C8B-B14F-4D97-AF65-F5344CB8AC3E}">
@@ -13269,14 +13790,6 @@
               </a:rPr>
               <a:t>Poly</a:t>
             </a:r>
-            <a:r>
-              <a:rPr lang="de-DE" dirty="0">
-                <a:solidFill>
-                  <a:srgbClr val="10427A"/>
-                </a:solidFill>
-              </a:rPr>
-              <a:t/>
-            </a:r>
             <a:br>
               <a:rPr lang="de-DE" dirty="0">
                 <a:solidFill>
@@ -13284,14 +13797,6 @@
                 </a:solidFill>
               </a:rPr>
             </a:br>
-            <a:r>
-              <a:rPr lang="de-DE" dirty="0">
-                <a:solidFill>
-                  <a:srgbClr val="10427A"/>
-                </a:solidFill>
-              </a:rPr>
-              <a:t/>
-            </a:r>
             <a:br>
               <a:rPr lang="de-DE" dirty="0">
                 <a:solidFill>
@@ -13554,6 +14059,196 @@
           </a:p>
         </p:txBody>
       </p:sp>
+      <mc:AlternateContent xmlns:mc="http://schemas.openxmlformats.org/markup-compatibility/2006">
+        <mc:Choice xmlns:a14="http://schemas.microsoft.com/office/drawing/2010/main" Requires="a14">
+          <p:sp>
+            <p:nvSpPr>
+              <p:cNvPr id="22" name="Rechteck 21">
+                <a:extLst>
+                  <a:ext uri="{FF2B5EF4-FFF2-40B4-BE49-F238E27FC236}">
+                    <a16:creationId xmlns:a16="http://schemas.microsoft.com/office/drawing/2014/main" id="{36B7D34B-3BE9-4A56-9B4A-33310D3E0A7F}"/>
+                  </a:ext>
+                </a:extLst>
+              </p:cNvPr>
+              <p:cNvSpPr/>
+              <p:nvPr/>
+            </p:nvSpPr>
+            <p:spPr>
+              <a:xfrm>
+                <a:off x="15981" y="963402"/>
+                <a:ext cx="2314320" cy="307777"/>
+              </a:xfrm>
+              <a:prstGeom prst="rect">
+                <a:avLst/>
+              </a:prstGeom>
+            </p:spPr>
+            <p:txBody>
+              <a:bodyPr wrap="square">
+                <a:spAutoFit/>
+              </a:bodyPr>
+              <a:lstStyle/>
+              <a:p>
+                <a14:m>
+                  <m:oMathPara xmlns:m="http://schemas.openxmlformats.org/officeDocument/2006/math">
+                    <m:oMathParaPr>
+                      <m:jc m:val="centerGroup"/>
+                    </m:oMathParaPr>
+                    <m:oMath xmlns:m="http://schemas.openxmlformats.org/officeDocument/2006/math">
+                      <m:r>
+                        <a:rPr lang="de-DE" sz="1400" i="1" smtClean="0">
+                          <a:latin typeface="Cambria Math" panose="02040503050406030204" pitchFamily="18" charset="0"/>
+                        </a:rPr>
+                        <m:t>𝑓</m:t>
+                      </m:r>
+                      <m:d>
+                        <m:dPr>
+                          <m:ctrlPr>
+                            <a:rPr lang="de-DE" sz="1400" i="1">
+                              <a:latin typeface="Cambria Math" panose="02040503050406030204" pitchFamily="18" charset="0"/>
+                            </a:rPr>
+                          </m:ctrlPr>
+                        </m:dPr>
+                        <m:e>
+                          <m:r>
+                            <a:rPr lang="de-DE" sz="1400" i="1">
+                              <a:latin typeface="Cambria Math" panose="02040503050406030204" pitchFamily="18" charset="0"/>
+                            </a:rPr>
+                            <m:t>𝑥</m:t>
+                          </m:r>
+                        </m:e>
+                      </m:d>
+                      <m:r>
+                        <a:rPr lang="de-DE" sz="1400" i="1">
+                          <a:latin typeface="Cambria Math" panose="02040503050406030204" pitchFamily="18" charset="0"/>
+                        </a:rPr>
+                        <m:t>=</m:t>
+                      </m:r>
+                      <m:r>
+                        <a:rPr lang="de-DE" sz="1400" b="0" i="1" smtClean="0">
+                          <a:latin typeface="Cambria Math" panose="02040503050406030204" pitchFamily="18" charset="0"/>
+                        </a:rPr>
+                        <m:t>𝑠</m:t>
+                      </m:r>
+                      <m:r>
+                        <a:rPr lang="de-DE" sz="1400" b="0" i="1" smtClean="0">
+                          <a:latin typeface="Cambria Math" panose="02040503050406030204" pitchFamily="18" charset="0"/>
+                        </a:rPr>
+                        <m:t>2∗</m:t>
+                      </m:r>
+                      <m:sSup>
+                        <m:sSupPr>
+                          <m:ctrlPr>
+                            <a:rPr lang="de-DE" sz="1400" i="1">
+                              <a:latin typeface="Cambria Math" panose="02040503050406030204" pitchFamily="18" charset="0"/>
+                            </a:rPr>
+                          </m:ctrlPr>
+                        </m:sSupPr>
+                        <m:e>
+                          <m:r>
+                            <a:rPr lang="de-DE" sz="1400" i="1">
+                              <a:latin typeface="Cambria Math" panose="02040503050406030204" pitchFamily="18" charset="0"/>
+                            </a:rPr>
+                            <m:t>𝑥</m:t>
+                          </m:r>
+                        </m:e>
+                        <m:sup>
+                          <m:r>
+                            <a:rPr lang="de-DE" sz="1400" i="1">
+                              <a:latin typeface="Cambria Math" panose="02040503050406030204" pitchFamily="18" charset="0"/>
+                            </a:rPr>
+                            <m:t>2</m:t>
+                          </m:r>
+                        </m:sup>
+                      </m:sSup>
+                      <m:r>
+                        <a:rPr lang="de-DE" sz="1400" i="1">
+                          <a:latin typeface="Cambria Math" panose="02040503050406030204" pitchFamily="18" charset="0"/>
+                        </a:rPr>
+                        <m:t>+</m:t>
+                      </m:r>
+                      <m:r>
+                        <a:rPr lang="de-DE" sz="1400" b="0" i="1" smtClean="0">
+                          <a:latin typeface="Cambria Math" panose="02040503050406030204" pitchFamily="18" charset="0"/>
+                        </a:rPr>
+                        <m:t>𝑠</m:t>
+                      </m:r>
+                      <m:r>
+                        <a:rPr lang="de-DE" sz="1400" b="0" i="1" smtClean="0">
+                          <a:latin typeface="Cambria Math" panose="02040503050406030204" pitchFamily="18" charset="0"/>
+                        </a:rPr>
+                        <m:t>∗</m:t>
+                      </m:r>
+                      <m:r>
+                        <a:rPr lang="de-DE" sz="1400" i="1">
+                          <a:latin typeface="Cambria Math" panose="02040503050406030204" pitchFamily="18" charset="0"/>
+                        </a:rPr>
+                        <m:t>𝑥</m:t>
+                      </m:r>
+                      <m:r>
+                        <a:rPr lang="de-DE" sz="1400" i="1">
+                          <a:latin typeface="Cambria Math" panose="02040503050406030204" pitchFamily="18" charset="0"/>
+                        </a:rPr>
+                        <m:t>+</m:t>
+                      </m:r>
+                      <m:r>
+                        <a:rPr lang="de-DE" sz="1400" b="0" i="1" smtClean="0">
+                          <a:latin typeface="Cambria Math" panose="02040503050406030204" pitchFamily="18" charset="0"/>
+                        </a:rPr>
+                        <m:t>𝑖</m:t>
+                      </m:r>
+                    </m:oMath>
+                  </m:oMathPara>
+                </a14:m>
+                <a:endParaRPr lang="de-DE" sz="1400" dirty="0"/>
+              </a:p>
+            </p:txBody>
+          </p:sp>
+        </mc:Choice>
+        <mc:Fallback>
+          <p:sp>
+            <p:nvSpPr>
+              <p:cNvPr id="22" name="Rechteck 21">
+                <a:extLst>
+                  <a:ext uri="{FF2B5EF4-FFF2-40B4-BE49-F238E27FC236}">
+                    <a16:creationId xmlns:a16="http://schemas.microsoft.com/office/drawing/2014/main" id="{36B7D34B-3BE9-4A56-9B4A-33310D3E0A7F}"/>
+                  </a:ext>
+                </a:extLst>
+              </p:cNvPr>
+              <p:cNvSpPr>
+                <a:spLocks noRot="1" noChangeAspect="1" noMove="1" noResize="1" noEditPoints="1" noAdjustHandles="1" noChangeArrowheads="1" noChangeShapeType="1" noTextEdit="1"/>
+              </p:cNvSpPr>
+              <p:nvPr/>
+            </p:nvSpPr>
+            <p:spPr>
+              <a:xfrm>
+                <a:off x="15981" y="963402"/>
+                <a:ext cx="2314320" cy="307777"/>
+              </a:xfrm>
+              <a:prstGeom prst="rect">
+                <a:avLst/>
+              </a:prstGeom>
+              <a:blipFill>
+                <a:blip r:embed="rId3"/>
+                <a:stretch>
+                  <a:fillRect b="-7843"/>
+                </a:stretch>
+              </a:blipFill>
+            </p:spPr>
+            <p:txBody>
+              <a:bodyPr/>
+              <a:lstStyle/>
+              <a:p>
+                <a:r>
+                  <a:rPr lang="en-NZ">
+                    <a:noFill/>
+                  </a:rPr>
+                  <a:t> </a:t>
+                </a:r>
+              </a:p>
+            </p:txBody>
+          </p:sp>
+        </mc:Fallback>
+      </mc:AlternateContent>
     </p:spTree>
     <p:extLst>
       <p:ext uri="{BB962C8B-B14F-4D97-AF65-F5344CB8AC3E}">
@@ -13757,11 +14452,11 @@
               <a:buAutoNum type="arabicPeriod"/>
             </a:pPr>
             <a:r>
-              <a:rPr lang="de-DE" dirty="0" err="1" smtClean="0"/>
+              <a:rPr lang="de-DE" dirty="0" err="1"/>
               <a:t>Predicting</a:t>
             </a:r>
             <a:r>
-              <a:rPr lang="de-DE" dirty="0" smtClean="0"/>
+              <a:rPr lang="de-DE" dirty="0"/>
               <a:t> Change Model</a:t>
             </a:r>
           </a:p>
@@ -13773,10 +14468,9 @@
               <a:buAutoNum type="arabicPeriod"/>
             </a:pPr>
             <a:r>
-              <a:rPr lang="de-DE" dirty="0" smtClean="0"/>
+              <a:rPr lang="de-DE" dirty="0"/>
               <a:t>Resümee</a:t>
             </a:r>
-            <a:endParaRPr lang="de-DE" dirty="0"/>
           </a:p>
         </p:txBody>
       </p:sp>
@@ -13880,13 +14574,6 @@
   <p:clrMapOvr>
     <a:masterClrMapping/>
   </p:clrMapOvr>
-  <p:timing>
-    <p:tnLst>
-      <p:par>
-        <p:cTn id="1" dur="indefinite" restart="never" nodeType="tmRoot"/>
-      </p:par>
-    </p:tnLst>
-  </p:timing>
 </p:sld>
 </file>
 
@@ -13940,37 +14627,6 @@
           </a:p>
         </p:txBody>
       </p:sp>
-      <p:pic>
-        <p:nvPicPr>
-          <p:cNvPr id="7" name="Inhaltsplatzhalter 6">
-            <a:extLst>
-              <a:ext uri="{FF2B5EF4-FFF2-40B4-BE49-F238E27FC236}">
-                <a16:creationId xmlns:a16="http://schemas.microsoft.com/office/drawing/2014/main" id="{22062FB6-49FC-479A-BC51-287B6C3DA781}"/>
-              </a:ext>
-            </a:extLst>
-          </p:cNvPr>
-          <p:cNvPicPr>
-            <a:picLocks noGrp="1" noChangeAspect="1"/>
-          </p:cNvPicPr>
-          <p:nvPr>
-            <p:ph idx="1"/>
-          </p:nvPr>
-        </p:nvPicPr>
-        <p:blipFill rotWithShape="1">
-          <a:blip r:embed="rId2"/>
-          <a:srcRect l="12727" t="12454" r="13633" b="8580"/>
-          <a:stretch/>
-        </p:blipFill>
-        <p:spPr>
-          <a:xfrm>
-            <a:off x="827584" y="945028"/>
-            <a:ext cx="7675686" cy="3786962"/>
-          </a:xfrm>
-          <a:prstGeom prst="rect">
-            <a:avLst/>
-          </a:prstGeom>
-        </p:spPr>
-      </p:pic>
       <p:sp>
         <p:nvSpPr>
           <p:cNvPr id="4" name="Datumsplatzhalter 3">
@@ -14060,6 +14716,425 @@
           </a:p>
         </p:txBody>
       </p:sp>
+      <p:pic>
+        <p:nvPicPr>
+          <p:cNvPr id="9" name="Grafik 8">
+            <a:extLst>
+              <a:ext uri="{FF2B5EF4-FFF2-40B4-BE49-F238E27FC236}">
+                <a16:creationId xmlns:a16="http://schemas.microsoft.com/office/drawing/2014/main" id="{40053F48-E143-46AB-B7E1-4AE656DC228A}"/>
+              </a:ext>
+            </a:extLst>
+          </p:cNvPr>
+          <p:cNvPicPr>
+            <a:picLocks noChangeAspect="1"/>
+          </p:cNvPicPr>
+          <p:nvPr/>
+        </p:nvPicPr>
+        <p:blipFill>
+          <a:blip r:embed="rId2"/>
+          <a:stretch>
+            <a:fillRect/>
+          </a:stretch>
+        </p:blipFill>
+        <p:spPr>
+          <a:xfrm>
+            <a:off x="35402" y="1133924"/>
+            <a:ext cx="5493286" cy="3451961"/>
+          </a:xfrm>
+          <a:prstGeom prst="rect">
+            <a:avLst/>
+          </a:prstGeom>
+        </p:spPr>
+      </p:pic>
+      <mc:AlternateContent xmlns:mc="http://schemas.openxmlformats.org/markup-compatibility/2006">
+        <mc:Choice xmlns:a14="http://schemas.microsoft.com/office/drawing/2010/main" Requires="a14">
+          <p:sp>
+            <p:nvSpPr>
+              <p:cNvPr id="10" name="Textfeld 9">
+                <a:extLst>
+                  <a:ext uri="{FF2B5EF4-FFF2-40B4-BE49-F238E27FC236}">
+                    <a16:creationId xmlns:a16="http://schemas.microsoft.com/office/drawing/2014/main" id="{07B699F4-B2EA-4E79-8C1E-27BD71849DB8}"/>
+                  </a:ext>
+                </a:extLst>
+              </p:cNvPr>
+              <p:cNvSpPr txBox="1"/>
+              <p:nvPr/>
+            </p:nvSpPr>
+            <p:spPr>
+              <a:xfrm>
+                <a:off x="5364088" y="1133924"/>
+                <a:ext cx="3600400" cy="2024978"/>
+              </a:xfrm>
+              <a:prstGeom prst="rect">
+                <a:avLst/>
+              </a:prstGeom>
+              <a:noFill/>
+            </p:spPr>
+            <p:txBody>
+              <a:bodyPr wrap="square" rtlCol="0">
+                <a:spAutoFit/>
+              </a:bodyPr>
+              <a:lstStyle/>
+              <a:p>
+                <a:r>
+                  <a:rPr lang="de-DE" dirty="0"/>
+                  <a:t>Total </a:t>
+                </a:r>
+                <a:r>
+                  <a:rPr lang="de-DE" dirty="0" err="1"/>
+                  <a:t>load</a:t>
+                </a:r>
+                <a:r>
+                  <a:rPr lang="de-DE" dirty="0"/>
+                  <a:t>:</a:t>
+                </a:r>
+              </a:p>
+              <a:p>
+                <a14:m>
+                  <m:oMath xmlns:m="http://schemas.openxmlformats.org/officeDocument/2006/math">
+                    <m:r>
+                      <a:rPr lang="de-DE" b="0" i="1" smtClean="0">
+                        <a:latin typeface="Cambria Math" panose="02040503050406030204" pitchFamily="18" charset="0"/>
+                      </a:rPr>
+                      <m:t>𝑇</m:t>
+                    </m:r>
+                    <m:r>
+                      <a:rPr lang="de-DE" b="0" i="1" smtClean="0">
+                        <a:latin typeface="Cambria Math" panose="02040503050406030204" pitchFamily="18" charset="0"/>
+                      </a:rPr>
+                      <m:t>3=</m:t>
+                    </m:r>
+                    <m:sSub>
+                      <m:sSubPr>
+                        <m:ctrlPr>
+                          <a:rPr lang="de-DE" i="1">
+                            <a:latin typeface="Cambria Math" panose="02040503050406030204" pitchFamily="18" charset="0"/>
+                          </a:rPr>
+                        </m:ctrlPr>
+                      </m:sSubPr>
+                      <m:e>
+                        <m:r>
+                          <a:rPr lang="de-DE" i="1">
+                            <a:latin typeface="Cambria Math" panose="02040503050406030204" pitchFamily="18" charset="0"/>
+                            <a:ea typeface="Cambria Math" panose="02040503050406030204" pitchFamily="18" charset="0"/>
+                          </a:rPr>
+                          <m:t>𝛼</m:t>
+                        </m:r>
+                      </m:e>
+                      <m:sub>
+                        <m:r>
+                          <a:rPr lang="de-DE" i="1">
+                            <a:latin typeface="Cambria Math" panose="02040503050406030204" pitchFamily="18" charset="0"/>
+                          </a:rPr>
+                          <m:t>𝑖𝑛</m:t>
+                        </m:r>
+                      </m:sub>
+                    </m:sSub>
+                    <m:r>
+                      <a:rPr lang="de-DE" b="0" i="1" smtClean="0">
+                        <a:latin typeface="Cambria Math" panose="02040503050406030204" pitchFamily="18" charset="0"/>
+                      </a:rPr>
+                      <m:t>∗1</m:t>
+                    </m:r>
+                    <m:r>
+                      <a:rPr lang="de-DE" b="0" i="0" smtClean="0">
+                        <a:latin typeface="Cambria Math" panose="02040503050406030204" pitchFamily="18" charset="0"/>
+                      </a:rPr>
+                      <m:t>+</m:t>
+                    </m:r>
+                    <m:sSub>
+                      <m:sSubPr>
+                        <m:ctrlPr>
+                          <a:rPr lang="de-DE" i="1">
+                            <a:latin typeface="Cambria Math" panose="02040503050406030204" pitchFamily="18" charset="0"/>
+                          </a:rPr>
+                        </m:ctrlPr>
+                      </m:sSubPr>
+                      <m:e>
+                        <m:r>
+                          <a:rPr lang="de-DE" i="1">
+                            <a:latin typeface="Cambria Math" panose="02040503050406030204" pitchFamily="18" charset="0"/>
+                          </a:rPr>
+                          <m:t>𝐾</m:t>
+                        </m:r>
+                      </m:e>
+                      <m:sub>
+                        <m:r>
+                          <a:rPr lang="de-DE" i="1">
+                            <a:latin typeface="Cambria Math" panose="02040503050406030204" pitchFamily="18" charset="0"/>
+                          </a:rPr>
+                          <m:t>𝐴𝑏</m:t>
+                        </m:r>
+                      </m:sub>
+                    </m:sSub>
+                    <m:r>
+                      <a:rPr lang="de-DE" b="0" i="0" smtClean="0">
+                        <a:latin typeface="Cambria Math" panose="02040503050406030204" pitchFamily="18" charset="0"/>
+                      </a:rPr>
+                      <m:t>∗ </m:t>
+                    </m:r>
+                    <m:sSub>
+                      <m:sSubPr>
+                        <m:ctrlPr>
+                          <a:rPr lang="de-DE" b="0" i="1" smtClean="0">
+                            <a:latin typeface="Cambria Math" panose="02040503050406030204" pitchFamily="18" charset="0"/>
+                          </a:rPr>
+                        </m:ctrlPr>
+                      </m:sSubPr>
+                      <m:e>
+                        <m:r>
+                          <a:rPr lang="de-DE" b="0" i="1" smtClean="0">
+                            <a:latin typeface="Cambria Math" panose="02040503050406030204" pitchFamily="18" charset="0"/>
+                            <a:ea typeface="Cambria Math" panose="02040503050406030204" pitchFamily="18" charset="0"/>
+                          </a:rPr>
+                          <m:t>𝛾</m:t>
+                        </m:r>
+                      </m:e>
+                      <m:sub>
+                        <m:r>
+                          <a:rPr lang="de-DE" b="0" i="1" smtClean="0">
+                            <a:latin typeface="Cambria Math" panose="02040503050406030204" pitchFamily="18" charset="0"/>
+                          </a:rPr>
+                          <m:t>𝑖𝑛</m:t>
+                        </m:r>
+                      </m:sub>
+                    </m:sSub>
+                    <m:r>
+                      <a:rPr lang="de-DE" b="0" i="1" smtClean="0">
+                        <a:latin typeface="Cambria Math" panose="02040503050406030204" pitchFamily="18" charset="0"/>
+                      </a:rPr>
+                      <m:t>∗1+</m:t>
+                    </m:r>
+                    <m:sSub>
+                      <m:sSubPr>
+                        <m:ctrlPr>
+                          <a:rPr lang="de-DE" b="0" i="1" smtClean="0">
+                            <a:latin typeface="Cambria Math" panose="02040503050406030204" pitchFamily="18" charset="0"/>
+                          </a:rPr>
+                        </m:ctrlPr>
+                      </m:sSubPr>
+                      <m:e>
+                        <m:r>
+                          <a:rPr lang="de-DE" b="0" i="1" smtClean="0">
+                            <a:latin typeface="Cambria Math" panose="02040503050406030204" pitchFamily="18" charset="0"/>
+                            <a:ea typeface="Cambria Math" panose="02040503050406030204" pitchFamily="18" charset="0"/>
+                          </a:rPr>
+                          <m:t>𝛼</m:t>
+                        </m:r>
+                      </m:e>
+                      <m:sub>
+                        <m:r>
+                          <a:rPr lang="de-DE" b="0" i="1" smtClean="0">
+                            <a:latin typeface="Cambria Math" panose="02040503050406030204" pitchFamily="18" charset="0"/>
+                          </a:rPr>
+                          <m:t>𝑠h</m:t>
+                        </m:r>
+                      </m:sub>
+                    </m:sSub>
+                    <m:r>
+                      <a:rPr lang="de-DE" b="0" i="1" smtClean="0">
+                        <a:latin typeface="Cambria Math" panose="02040503050406030204" pitchFamily="18" charset="0"/>
+                      </a:rPr>
+                      <m:t>∗</m:t>
+                    </m:r>
+                    <m:sSub>
+                      <m:sSubPr>
+                        <m:ctrlPr>
+                          <a:rPr lang="de-DE" i="1">
+                            <a:latin typeface="Cambria Math" panose="02040503050406030204" pitchFamily="18" charset="0"/>
+                          </a:rPr>
+                        </m:ctrlPr>
+                      </m:sSubPr>
+                      <m:e>
+                        <m:r>
+                          <a:rPr lang="de-DE" i="1">
+                            <a:latin typeface="Cambria Math" panose="02040503050406030204" pitchFamily="18" charset="0"/>
+                            <a:ea typeface="Cambria Math" panose="02040503050406030204" pitchFamily="18" charset="0"/>
+                          </a:rPr>
+                          <m:t>𝜆</m:t>
+                        </m:r>
+                      </m:e>
+                      <m:sub>
+                        <m:r>
+                          <a:rPr lang="de-DE" i="1">
+                            <a:latin typeface="Cambria Math" panose="02040503050406030204" pitchFamily="18" charset="0"/>
+                          </a:rPr>
+                          <m:t>3</m:t>
+                        </m:r>
+                      </m:sub>
+                    </m:sSub>
+                    <m:r>
+                      <a:rPr lang="de-DE" b="0" i="1" smtClean="0">
+                        <a:latin typeface="Cambria Math" panose="02040503050406030204" pitchFamily="18" charset="0"/>
+                      </a:rPr>
+                      <m:t>+</m:t>
+                    </m:r>
+                    <m:sSub>
+                      <m:sSubPr>
+                        <m:ctrlPr>
+                          <a:rPr lang="de-DE" i="1">
+                            <a:latin typeface="Cambria Math" panose="02040503050406030204" pitchFamily="18" charset="0"/>
+                          </a:rPr>
+                        </m:ctrlPr>
+                      </m:sSubPr>
+                      <m:e>
+                        <m:r>
+                          <a:rPr lang="de-DE" i="1">
+                            <a:latin typeface="Cambria Math" panose="02040503050406030204" pitchFamily="18" charset="0"/>
+                          </a:rPr>
+                          <m:t>𝐾</m:t>
+                        </m:r>
+                      </m:e>
+                      <m:sub>
+                        <m:r>
+                          <a:rPr lang="de-DE" i="1">
+                            <a:latin typeface="Cambria Math" panose="02040503050406030204" pitchFamily="18" charset="0"/>
+                          </a:rPr>
+                          <m:t>𝐴𝑏</m:t>
+                        </m:r>
+                      </m:sub>
+                    </m:sSub>
+                    <m:r>
+                      <a:rPr lang="de-DE">
+                        <a:latin typeface="Cambria Math" panose="02040503050406030204" pitchFamily="18" charset="0"/>
+                      </a:rPr>
+                      <m:t>∗ </m:t>
+                    </m:r>
+                    <m:sSub>
+                      <m:sSubPr>
+                        <m:ctrlPr>
+                          <a:rPr lang="de-DE" i="1">
+                            <a:latin typeface="Cambria Math" panose="02040503050406030204" pitchFamily="18" charset="0"/>
+                          </a:rPr>
+                        </m:ctrlPr>
+                      </m:sSubPr>
+                      <m:e>
+                        <m:r>
+                          <a:rPr lang="de-DE" i="1">
+                            <a:latin typeface="Cambria Math" panose="02040503050406030204" pitchFamily="18" charset="0"/>
+                            <a:ea typeface="Cambria Math" panose="02040503050406030204" pitchFamily="18" charset="0"/>
+                          </a:rPr>
+                          <m:t>𝛾</m:t>
+                        </m:r>
+                      </m:e>
+                      <m:sub>
+                        <m:r>
+                          <a:rPr lang="de-DE" b="0" i="1" smtClean="0">
+                            <a:latin typeface="Cambria Math" panose="02040503050406030204" pitchFamily="18" charset="0"/>
+                            <a:ea typeface="Cambria Math" panose="02040503050406030204" pitchFamily="18" charset="0"/>
+                          </a:rPr>
+                          <m:t>𝑠h</m:t>
+                        </m:r>
+                      </m:sub>
+                    </m:sSub>
+                    <m:r>
+                      <a:rPr lang="de-DE" i="1">
+                        <a:latin typeface="Cambria Math" panose="02040503050406030204" pitchFamily="18" charset="0"/>
+                      </a:rPr>
+                      <m:t>∗</m:t>
+                    </m:r>
+                  </m:oMath>
+                </a14:m>
+                <a:r>
+                  <a:rPr lang="de-DE" dirty="0"/>
+                  <a:t> </a:t>
+                </a:r>
+                <a14:m>
+                  <m:oMath xmlns:m="http://schemas.openxmlformats.org/officeDocument/2006/math">
+                    <m:sSub>
+                      <m:sSubPr>
+                        <m:ctrlPr>
+                          <a:rPr lang="de-DE" i="1">
+                            <a:latin typeface="Cambria Math" panose="02040503050406030204" pitchFamily="18" charset="0"/>
+                          </a:rPr>
+                        </m:ctrlPr>
+                      </m:sSubPr>
+                      <m:e>
+                        <m:r>
+                          <a:rPr lang="de-DE" i="1">
+                            <a:latin typeface="Cambria Math" panose="02040503050406030204" pitchFamily="18" charset="0"/>
+                            <a:ea typeface="Cambria Math" panose="02040503050406030204" pitchFamily="18" charset="0"/>
+                          </a:rPr>
+                          <m:t>𝜆</m:t>
+                        </m:r>
+                      </m:e>
+                      <m:sub>
+                        <m:r>
+                          <a:rPr lang="de-DE" i="1">
+                            <a:latin typeface="Cambria Math" panose="02040503050406030204" pitchFamily="18" charset="0"/>
+                          </a:rPr>
+                          <m:t>3</m:t>
+                        </m:r>
+                      </m:sub>
+                    </m:sSub>
+                  </m:oMath>
+                </a14:m>
+                <a:endParaRPr lang="de-DE" dirty="0"/>
+              </a:p>
+              <a:p>
+                <a:endParaRPr lang="de-DE" dirty="0"/>
+              </a:p>
+              <a:p>
+                <a:r>
+                  <a:rPr lang="de-DE" dirty="0"/>
+                  <a:t>T3 = 6.857 * 1 + 0.7 * 7.019 * 1 + 4.374 * 1.635 + 0.7 * 7.495 * 1.635 </a:t>
+                </a:r>
+                <a:br>
+                  <a:rPr lang="de-DE" dirty="0"/>
+                </a:br>
+                <a:r>
+                  <a:rPr lang="de-DE" dirty="0"/>
+                  <a:t>= 27.500</a:t>
+                </a:r>
+              </a:p>
+            </p:txBody>
+          </p:sp>
+        </mc:Choice>
+        <mc:Fallback>
+          <p:sp>
+            <p:nvSpPr>
+              <p:cNvPr id="10" name="Textfeld 9">
+                <a:extLst>
+                  <a:ext uri="{FF2B5EF4-FFF2-40B4-BE49-F238E27FC236}">
+                    <a16:creationId xmlns:a16="http://schemas.microsoft.com/office/drawing/2014/main" id="{07B699F4-B2EA-4E79-8C1E-27BD71849DB8}"/>
+                  </a:ext>
+                </a:extLst>
+              </p:cNvPr>
+              <p:cNvSpPr txBox="1">
+                <a:spLocks noRot="1" noChangeAspect="1" noMove="1" noResize="1" noEditPoints="1" noAdjustHandles="1" noChangeArrowheads="1" noChangeShapeType="1" noTextEdit="1"/>
+              </p:cNvSpPr>
+              <p:nvPr/>
+            </p:nvSpPr>
+            <p:spPr>
+              <a:xfrm>
+                <a:off x="5364088" y="1133924"/>
+                <a:ext cx="3600400" cy="2024978"/>
+              </a:xfrm>
+              <a:prstGeom prst="rect">
+                <a:avLst/>
+              </a:prstGeom>
+              <a:blipFill>
+                <a:blip r:embed="rId3"/>
+                <a:stretch>
+                  <a:fillRect l="-1523" t="-1506" b="-3916"/>
+                </a:stretch>
+              </a:blipFill>
+            </p:spPr>
+            <p:txBody>
+              <a:bodyPr/>
+              <a:lstStyle/>
+              <a:p>
+                <a:r>
+                  <a:rPr lang="en-NZ">
+                    <a:noFill/>
+                  </a:rPr>
+                  <a:t> </a:t>
+                </a:r>
+              </a:p>
+            </p:txBody>
+          </p:sp>
+        </mc:Fallback>
+      </mc:AlternateContent>
     </p:spTree>
     <p:extLst>
       <p:ext uri="{BB962C8B-B14F-4D97-AF65-F5344CB8AC3E}">
@@ -14092,7 +15167,13 @@
       </p:grpSpPr>
       <p:sp>
         <p:nvSpPr>
-          <p:cNvPr id="2" name="Titel 1"/>
+          <p:cNvPr id="2" name="Titel 1">
+            <a:extLst>
+              <a:ext uri="{FF2B5EF4-FFF2-40B4-BE49-F238E27FC236}">
+                <a16:creationId xmlns:a16="http://schemas.microsoft.com/office/drawing/2014/main" id="{8F9CD9AC-2277-4533-B29E-18F824684C1D}"/>
+              </a:ext>
+            </a:extLst>
+          </p:cNvPr>
           <p:cNvSpPr>
             <a:spLocks noGrp="1"/>
           </p:cNvSpPr>
@@ -14106,134 +15187,26 @@
           <a:lstStyle/>
           <a:p>
             <a:r>
-              <a:rPr lang="de-DE" dirty="0" smtClean="0"/>
-              <a:t>Resümee</a:t>
-            </a:r>
-            <a:endParaRPr lang="de-DE" dirty="0"/>
-          </a:p>
-        </p:txBody>
-      </p:sp>
-      <p:sp>
-        <p:nvSpPr>
-          <p:cNvPr id="3" name="Inhaltsplatzhalter 2"/>
-          <p:cNvSpPr>
-            <a:spLocks noGrp="1"/>
-          </p:cNvSpPr>
-          <p:nvPr>
-            <p:ph idx="1"/>
-          </p:nvPr>
-        </p:nvSpPr>
-        <p:spPr/>
-        <p:txBody>
-          <a:bodyPr/>
-          <a:lstStyle/>
-          <a:p>
-            <a:r>
-              <a:rPr lang="de-DE" dirty="0" err="1" smtClean="0"/>
-              <a:t>Means</a:t>
-            </a:r>
-            <a:r>
-              <a:rPr lang="de-DE" dirty="0" smtClean="0"/>
-              <a:t> werden in SEM oft nicht berücksichtigt, können allerdings signifikante Informationen zur Interpretation eines Modells liefern</a:t>
-            </a:r>
-          </a:p>
-          <a:p>
-            <a:r>
-              <a:rPr lang="de-DE" dirty="0" smtClean="0"/>
-              <a:t>Wachstumsmodelle sind Strukturgleichungsmodelle mit einer </a:t>
-            </a:r>
-            <a:r>
-              <a:rPr lang="de-DE" dirty="0" err="1" smtClean="0"/>
-              <a:t>Mean</a:t>
-            </a:r>
-            <a:r>
-              <a:rPr lang="de-DE" dirty="0" smtClean="0"/>
-              <a:t> </a:t>
-            </a:r>
-            <a:r>
-              <a:rPr lang="de-DE" dirty="0" err="1" smtClean="0"/>
-              <a:t>Structure</a:t>
-            </a:r>
-            <a:endParaRPr lang="de-DE" dirty="0" smtClean="0"/>
-          </a:p>
-          <a:p>
-            <a:r>
-              <a:rPr lang="de-DE" dirty="0" smtClean="0"/>
-              <a:t>Verwendet wird ein Messmodell mit zwei oder mehreren latenten Variablen, die als Parameter der Wachstumskurve agieren</a:t>
-            </a:r>
-          </a:p>
-          <a:p>
-            <a:r>
-              <a:rPr lang="de-DE" dirty="0" smtClean="0"/>
-              <a:t>Lineare und </a:t>
-            </a:r>
-            <a:r>
-              <a:rPr lang="de-DE" dirty="0" err="1" smtClean="0"/>
-              <a:t>polynomielle</a:t>
-            </a:r>
-            <a:r>
-              <a:rPr lang="de-DE" dirty="0" smtClean="0"/>
-              <a:t> Wachstumsmodelle liefern gute Anpassungen für Daten, deren Komplexitätsgrad kleiner oder gleich ist</a:t>
-            </a:r>
-          </a:p>
-          <a:p>
-            <a:r>
-              <a:rPr lang="de-DE" dirty="0" err="1" smtClean="0"/>
-              <a:t>Curvilineare</a:t>
-            </a:r>
-            <a:r>
-              <a:rPr lang="de-DE" dirty="0" smtClean="0"/>
-              <a:t> Modelle liefern meist gute Anpassungen für Daten sämtlicher Komplexität, sind allerdings schwer interpretierbar, wenn die wahre Abhängigkeit nicht bekannt ist</a:t>
-            </a:r>
-          </a:p>
-          <a:p>
-            <a:r>
-              <a:rPr lang="de-DE" dirty="0" err="1" smtClean="0"/>
-              <a:t>Intercept</a:t>
-            </a:r>
-            <a:r>
-              <a:rPr lang="de-DE" dirty="0" smtClean="0"/>
-              <a:t> und </a:t>
-            </a:r>
-            <a:r>
-              <a:rPr lang="de-DE" dirty="0" err="1" smtClean="0"/>
-              <a:t>Slope</a:t>
-            </a:r>
-            <a:r>
-              <a:rPr lang="de-DE" dirty="0" smtClean="0"/>
-              <a:t> können von weiteren latenten Variablen beeinflusst werden (Bsp. </a:t>
-            </a:r>
-            <a:r>
-              <a:rPr lang="de-DE" dirty="0" err="1" smtClean="0"/>
-              <a:t>Ability</a:t>
-            </a:r>
-            <a:r>
-              <a:rPr lang="de-DE" dirty="0" smtClean="0"/>
-              <a:t>), sodass sich der Effekt in den Daten nicht lediglich aus der Abbildung durch </a:t>
-            </a:r>
-            <a:r>
-              <a:rPr lang="de-DE" dirty="0" err="1" smtClean="0"/>
-              <a:t>Intercept</a:t>
-            </a:r>
-            <a:r>
-              <a:rPr lang="de-DE" dirty="0" smtClean="0"/>
-              <a:t> und </a:t>
-            </a:r>
-            <a:r>
-              <a:rPr lang="de-DE" dirty="0" err="1" smtClean="0"/>
-              <a:t>Slope</a:t>
-            </a:r>
-            <a:r>
-              <a:rPr lang="de-DE" dirty="0" smtClean="0"/>
-              <a:t> ableitet</a:t>
-            </a:r>
-            <a:endParaRPr lang="de-DE" dirty="0"/>
-          </a:p>
-        </p:txBody>
-      </p:sp>
-      <p:sp>
-        <p:nvSpPr>
-          <p:cNvPr id="4" name="Datumsplatzhalter 3"/>
+              <a:rPr lang="de-DE" dirty="0" err="1"/>
+              <a:t>Predicting</a:t>
+            </a:r>
+            <a:r>
+              <a:rPr lang="de-DE" dirty="0"/>
+              <a:t> Change Model </a:t>
+            </a:r>
+            <a:endParaRPr lang="en-NZ" dirty="0"/>
+          </a:p>
+        </p:txBody>
+      </p:sp>
+      <p:sp>
+        <p:nvSpPr>
+          <p:cNvPr id="4" name="Datumsplatzhalter 3">
+            <a:extLst>
+              <a:ext uri="{FF2B5EF4-FFF2-40B4-BE49-F238E27FC236}">
+                <a16:creationId xmlns:a16="http://schemas.microsoft.com/office/drawing/2014/main" id="{1322CE8B-7C17-42A4-8ADE-82549C611C2E}"/>
+              </a:ext>
+            </a:extLst>
+          </p:cNvPr>
           <p:cNvSpPr>
             <a:spLocks noGrp="1"/>
           </p:cNvSpPr>
@@ -14257,7 +15230,13 @@
       </p:sp>
       <p:sp>
         <p:nvSpPr>
-          <p:cNvPr id="5" name="Fußzeilenplatzhalter 4"/>
+          <p:cNvPr id="5" name="Fußzeilenplatzhalter 4">
+            <a:extLst>
+              <a:ext uri="{FF2B5EF4-FFF2-40B4-BE49-F238E27FC236}">
+                <a16:creationId xmlns:a16="http://schemas.microsoft.com/office/drawing/2014/main" id="{0232782A-509C-4B82-931D-180632390FBC}"/>
+              </a:ext>
+            </a:extLst>
+          </p:cNvPr>
           <p:cNvSpPr>
             <a:spLocks noGrp="1"/>
           </p:cNvSpPr>
@@ -14271,7 +15250,7 @@
           <a:lstStyle/>
           <a:p>
             <a:r>
-              <a:rPr lang="de-DE" smtClean="0"/>
+              <a:rPr lang="de-DE"/>
               <a:t>Structural Equation Modelling – Wintersemester 2017/2018</a:t>
             </a:r>
             <a:endParaRPr lang="de-DE" dirty="0"/>
@@ -14280,7 +15259,13 @@
       </p:sp>
       <p:sp>
         <p:nvSpPr>
-          <p:cNvPr id="6" name="Foliennummernplatzhalter 5"/>
+          <p:cNvPr id="6" name="Foliennummernplatzhalter 5">
+            <a:extLst>
+              <a:ext uri="{FF2B5EF4-FFF2-40B4-BE49-F238E27FC236}">
+                <a16:creationId xmlns:a16="http://schemas.microsoft.com/office/drawing/2014/main" id="{BED88E5B-CB30-497D-849F-6E25F6017F17}"/>
+              </a:ext>
+            </a:extLst>
+          </p:cNvPr>
           <p:cNvSpPr>
             <a:spLocks noGrp="1"/>
           </p:cNvSpPr>
@@ -14302,10 +15287,521 @@
           </a:p>
         </p:txBody>
       </p:sp>
+      <mc:AlternateContent xmlns:mc="http://schemas.openxmlformats.org/markup-compatibility/2006">
+        <mc:Choice xmlns:a14="http://schemas.microsoft.com/office/drawing/2010/main" Requires="a14">
+          <p:sp>
+            <p:nvSpPr>
+              <p:cNvPr id="10" name="Textfeld 9">
+                <a:extLst>
+                  <a:ext uri="{FF2B5EF4-FFF2-40B4-BE49-F238E27FC236}">
+                    <a16:creationId xmlns:a16="http://schemas.microsoft.com/office/drawing/2014/main" id="{07B699F4-B2EA-4E79-8C1E-27BD71849DB8}"/>
+                  </a:ext>
+                </a:extLst>
+              </p:cNvPr>
+              <p:cNvSpPr txBox="1"/>
+              <p:nvPr/>
+            </p:nvSpPr>
+            <p:spPr>
+              <a:xfrm>
+                <a:off x="5364088" y="1133924"/>
+                <a:ext cx="3600400" cy="2024978"/>
+              </a:xfrm>
+              <a:prstGeom prst="rect">
+                <a:avLst/>
+              </a:prstGeom>
+              <a:noFill/>
+            </p:spPr>
+            <p:txBody>
+              <a:bodyPr wrap="square" rtlCol="0">
+                <a:spAutoFit/>
+              </a:bodyPr>
+              <a:lstStyle/>
+              <a:p>
+                <a:r>
+                  <a:rPr lang="de-DE" dirty="0"/>
+                  <a:t>Total </a:t>
+                </a:r>
+                <a:r>
+                  <a:rPr lang="de-DE" dirty="0" err="1"/>
+                  <a:t>load</a:t>
+                </a:r>
+                <a:r>
+                  <a:rPr lang="de-DE" dirty="0"/>
+                  <a:t>:</a:t>
+                </a:r>
+              </a:p>
+              <a:p>
+                <a14:m>
+                  <m:oMath xmlns:m="http://schemas.openxmlformats.org/officeDocument/2006/math">
+                    <m:r>
+                      <a:rPr lang="de-DE" b="0" i="1" smtClean="0">
+                        <a:latin typeface="Cambria Math" panose="02040503050406030204" pitchFamily="18" charset="0"/>
+                      </a:rPr>
+                      <m:t>𝑇</m:t>
+                    </m:r>
+                    <m:r>
+                      <a:rPr lang="de-DE" b="0" i="1" smtClean="0">
+                        <a:latin typeface="Cambria Math" panose="02040503050406030204" pitchFamily="18" charset="0"/>
+                      </a:rPr>
+                      <m:t>3=</m:t>
+                    </m:r>
+                    <m:sSub>
+                      <m:sSubPr>
+                        <m:ctrlPr>
+                          <a:rPr lang="de-DE" i="1">
+                            <a:latin typeface="Cambria Math" panose="02040503050406030204" pitchFamily="18" charset="0"/>
+                          </a:rPr>
+                        </m:ctrlPr>
+                      </m:sSubPr>
+                      <m:e>
+                        <m:r>
+                          <a:rPr lang="de-DE" i="1">
+                            <a:latin typeface="Cambria Math" panose="02040503050406030204" pitchFamily="18" charset="0"/>
+                            <a:ea typeface="Cambria Math" panose="02040503050406030204" pitchFamily="18" charset="0"/>
+                          </a:rPr>
+                          <m:t>𝛼</m:t>
+                        </m:r>
+                      </m:e>
+                      <m:sub>
+                        <m:r>
+                          <a:rPr lang="de-DE" i="1">
+                            <a:latin typeface="Cambria Math" panose="02040503050406030204" pitchFamily="18" charset="0"/>
+                          </a:rPr>
+                          <m:t>𝑖𝑛</m:t>
+                        </m:r>
+                      </m:sub>
+                    </m:sSub>
+                    <m:r>
+                      <a:rPr lang="de-DE" b="0" i="1" smtClean="0">
+                        <a:latin typeface="Cambria Math" panose="02040503050406030204" pitchFamily="18" charset="0"/>
+                      </a:rPr>
+                      <m:t>∗1</m:t>
+                    </m:r>
+                    <m:r>
+                      <a:rPr lang="de-DE" b="0" i="0" smtClean="0">
+                        <a:latin typeface="Cambria Math" panose="02040503050406030204" pitchFamily="18" charset="0"/>
+                      </a:rPr>
+                      <m:t>+</m:t>
+                    </m:r>
+                    <m:sSub>
+                      <m:sSubPr>
+                        <m:ctrlPr>
+                          <a:rPr lang="de-DE" i="1">
+                            <a:latin typeface="Cambria Math" panose="02040503050406030204" pitchFamily="18" charset="0"/>
+                          </a:rPr>
+                        </m:ctrlPr>
+                      </m:sSubPr>
+                      <m:e>
+                        <m:r>
+                          <a:rPr lang="de-DE" i="1">
+                            <a:latin typeface="Cambria Math" panose="02040503050406030204" pitchFamily="18" charset="0"/>
+                          </a:rPr>
+                          <m:t>𝐾</m:t>
+                        </m:r>
+                      </m:e>
+                      <m:sub>
+                        <m:r>
+                          <a:rPr lang="de-DE" i="1">
+                            <a:latin typeface="Cambria Math" panose="02040503050406030204" pitchFamily="18" charset="0"/>
+                          </a:rPr>
+                          <m:t>𝐴𝑏</m:t>
+                        </m:r>
+                      </m:sub>
+                    </m:sSub>
+                    <m:r>
+                      <a:rPr lang="de-DE" b="0" i="0" smtClean="0">
+                        <a:latin typeface="Cambria Math" panose="02040503050406030204" pitchFamily="18" charset="0"/>
+                      </a:rPr>
+                      <m:t>∗ </m:t>
+                    </m:r>
+                    <m:sSub>
+                      <m:sSubPr>
+                        <m:ctrlPr>
+                          <a:rPr lang="de-DE" b="0" i="1" smtClean="0">
+                            <a:latin typeface="Cambria Math" panose="02040503050406030204" pitchFamily="18" charset="0"/>
+                          </a:rPr>
+                        </m:ctrlPr>
+                      </m:sSubPr>
+                      <m:e>
+                        <m:r>
+                          <a:rPr lang="de-DE" b="0" i="1" smtClean="0">
+                            <a:latin typeface="Cambria Math" panose="02040503050406030204" pitchFamily="18" charset="0"/>
+                            <a:ea typeface="Cambria Math" panose="02040503050406030204" pitchFamily="18" charset="0"/>
+                          </a:rPr>
+                          <m:t>𝛾</m:t>
+                        </m:r>
+                      </m:e>
+                      <m:sub>
+                        <m:r>
+                          <a:rPr lang="de-DE" b="0" i="1" smtClean="0">
+                            <a:latin typeface="Cambria Math" panose="02040503050406030204" pitchFamily="18" charset="0"/>
+                          </a:rPr>
+                          <m:t>𝑖𝑛</m:t>
+                        </m:r>
+                      </m:sub>
+                    </m:sSub>
+                    <m:r>
+                      <a:rPr lang="de-DE" b="0" i="1" smtClean="0">
+                        <a:latin typeface="Cambria Math" panose="02040503050406030204" pitchFamily="18" charset="0"/>
+                      </a:rPr>
+                      <m:t>∗1+</m:t>
+                    </m:r>
+                    <m:sSub>
+                      <m:sSubPr>
+                        <m:ctrlPr>
+                          <a:rPr lang="de-DE" b="0" i="1" smtClean="0">
+                            <a:latin typeface="Cambria Math" panose="02040503050406030204" pitchFamily="18" charset="0"/>
+                          </a:rPr>
+                        </m:ctrlPr>
+                      </m:sSubPr>
+                      <m:e>
+                        <m:r>
+                          <a:rPr lang="de-DE" b="0" i="1" smtClean="0">
+                            <a:latin typeface="Cambria Math" panose="02040503050406030204" pitchFamily="18" charset="0"/>
+                            <a:ea typeface="Cambria Math" panose="02040503050406030204" pitchFamily="18" charset="0"/>
+                          </a:rPr>
+                          <m:t>𝛼</m:t>
+                        </m:r>
+                      </m:e>
+                      <m:sub>
+                        <m:r>
+                          <a:rPr lang="de-DE" b="0" i="1" smtClean="0">
+                            <a:latin typeface="Cambria Math" panose="02040503050406030204" pitchFamily="18" charset="0"/>
+                          </a:rPr>
+                          <m:t>𝑠h</m:t>
+                        </m:r>
+                      </m:sub>
+                    </m:sSub>
+                    <m:r>
+                      <a:rPr lang="de-DE" b="0" i="1" smtClean="0">
+                        <a:latin typeface="Cambria Math" panose="02040503050406030204" pitchFamily="18" charset="0"/>
+                      </a:rPr>
+                      <m:t>∗</m:t>
+                    </m:r>
+                    <m:sSub>
+                      <m:sSubPr>
+                        <m:ctrlPr>
+                          <a:rPr lang="de-DE" i="1">
+                            <a:latin typeface="Cambria Math" panose="02040503050406030204" pitchFamily="18" charset="0"/>
+                          </a:rPr>
+                        </m:ctrlPr>
+                      </m:sSubPr>
+                      <m:e>
+                        <m:r>
+                          <a:rPr lang="de-DE" i="1">
+                            <a:latin typeface="Cambria Math" panose="02040503050406030204" pitchFamily="18" charset="0"/>
+                            <a:ea typeface="Cambria Math" panose="02040503050406030204" pitchFamily="18" charset="0"/>
+                          </a:rPr>
+                          <m:t>𝜆</m:t>
+                        </m:r>
+                      </m:e>
+                      <m:sub>
+                        <m:r>
+                          <a:rPr lang="de-DE" i="1">
+                            <a:latin typeface="Cambria Math" panose="02040503050406030204" pitchFamily="18" charset="0"/>
+                          </a:rPr>
+                          <m:t>3</m:t>
+                        </m:r>
+                      </m:sub>
+                    </m:sSub>
+                    <m:r>
+                      <a:rPr lang="de-DE" b="0" i="1" smtClean="0">
+                        <a:latin typeface="Cambria Math" panose="02040503050406030204" pitchFamily="18" charset="0"/>
+                      </a:rPr>
+                      <m:t>+</m:t>
+                    </m:r>
+                    <m:sSub>
+                      <m:sSubPr>
+                        <m:ctrlPr>
+                          <a:rPr lang="de-DE" i="1">
+                            <a:latin typeface="Cambria Math" panose="02040503050406030204" pitchFamily="18" charset="0"/>
+                          </a:rPr>
+                        </m:ctrlPr>
+                      </m:sSubPr>
+                      <m:e>
+                        <m:r>
+                          <a:rPr lang="de-DE" i="1">
+                            <a:latin typeface="Cambria Math" panose="02040503050406030204" pitchFamily="18" charset="0"/>
+                          </a:rPr>
+                          <m:t>𝐾</m:t>
+                        </m:r>
+                      </m:e>
+                      <m:sub>
+                        <m:r>
+                          <a:rPr lang="de-DE" i="1">
+                            <a:latin typeface="Cambria Math" panose="02040503050406030204" pitchFamily="18" charset="0"/>
+                          </a:rPr>
+                          <m:t>𝐴𝑏</m:t>
+                        </m:r>
+                      </m:sub>
+                    </m:sSub>
+                    <m:r>
+                      <a:rPr lang="de-DE">
+                        <a:latin typeface="Cambria Math" panose="02040503050406030204" pitchFamily="18" charset="0"/>
+                      </a:rPr>
+                      <m:t>∗ </m:t>
+                    </m:r>
+                    <m:sSub>
+                      <m:sSubPr>
+                        <m:ctrlPr>
+                          <a:rPr lang="de-DE" i="1">
+                            <a:latin typeface="Cambria Math" panose="02040503050406030204" pitchFamily="18" charset="0"/>
+                          </a:rPr>
+                        </m:ctrlPr>
+                      </m:sSubPr>
+                      <m:e>
+                        <m:r>
+                          <a:rPr lang="de-DE" i="1">
+                            <a:latin typeface="Cambria Math" panose="02040503050406030204" pitchFamily="18" charset="0"/>
+                            <a:ea typeface="Cambria Math" panose="02040503050406030204" pitchFamily="18" charset="0"/>
+                          </a:rPr>
+                          <m:t>𝛾</m:t>
+                        </m:r>
+                      </m:e>
+                      <m:sub>
+                        <m:r>
+                          <a:rPr lang="de-DE" b="0" i="1" smtClean="0">
+                            <a:latin typeface="Cambria Math" panose="02040503050406030204" pitchFamily="18" charset="0"/>
+                            <a:ea typeface="Cambria Math" panose="02040503050406030204" pitchFamily="18" charset="0"/>
+                          </a:rPr>
+                          <m:t>𝑠h</m:t>
+                        </m:r>
+                      </m:sub>
+                    </m:sSub>
+                    <m:r>
+                      <a:rPr lang="de-DE" i="1">
+                        <a:latin typeface="Cambria Math" panose="02040503050406030204" pitchFamily="18" charset="0"/>
+                      </a:rPr>
+                      <m:t>∗</m:t>
+                    </m:r>
+                  </m:oMath>
+                </a14:m>
+                <a:r>
+                  <a:rPr lang="de-DE" dirty="0"/>
+                  <a:t> </a:t>
+                </a:r>
+                <a14:m>
+                  <m:oMath xmlns:m="http://schemas.openxmlformats.org/officeDocument/2006/math">
+                    <m:sSub>
+                      <m:sSubPr>
+                        <m:ctrlPr>
+                          <a:rPr lang="de-DE" i="1">
+                            <a:latin typeface="Cambria Math" panose="02040503050406030204" pitchFamily="18" charset="0"/>
+                          </a:rPr>
+                        </m:ctrlPr>
+                      </m:sSubPr>
+                      <m:e>
+                        <m:r>
+                          <a:rPr lang="de-DE" i="1">
+                            <a:latin typeface="Cambria Math" panose="02040503050406030204" pitchFamily="18" charset="0"/>
+                            <a:ea typeface="Cambria Math" panose="02040503050406030204" pitchFamily="18" charset="0"/>
+                          </a:rPr>
+                          <m:t>𝜆</m:t>
+                        </m:r>
+                      </m:e>
+                      <m:sub>
+                        <m:r>
+                          <a:rPr lang="de-DE" i="1">
+                            <a:latin typeface="Cambria Math" panose="02040503050406030204" pitchFamily="18" charset="0"/>
+                          </a:rPr>
+                          <m:t>3</m:t>
+                        </m:r>
+                      </m:sub>
+                    </m:sSub>
+                  </m:oMath>
+                </a14:m>
+                <a:endParaRPr lang="de-DE" dirty="0"/>
+              </a:p>
+              <a:p>
+                <a:endParaRPr lang="de-DE" dirty="0"/>
+              </a:p>
+              <a:p>
+                <a:r>
+                  <a:rPr lang="de-DE" dirty="0"/>
+                  <a:t>T3 = 6.857 * 1 + 0.7 * 7.019 * 1 + 4.374 * 1.635 + 0.7 * 7.495 * 1.635 </a:t>
+                </a:r>
+                <a:br>
+                  <a:rPr lang="de-DE" dirty="0"/>
+                </a:br>
+                <a:r>
+                  <a:rPr lang="de-DE" dirty="0"/>
+                  <a:t>= 27.500</a:t>
+                </a:r>
+              </a:p>
+            </p:txBody>
+          </p:sp>
+        </mc:Choice>
+        <mc:Fallback>
+          <p:sp>
+            <p:nvSpPr>
+              <p:cNvPr id="10" name="Textfeld 9">
+                <a:extLst>
+                  <a:ext uri="{FF2B5EF4-FFF2-40B4-BE49-F238E27FC236}">
+                    <a16:creationId xmlns:a16="http://schemas.microsoft.com/office/drawing/2014/main" id="{07B699F4-B2EA-4E79-8C1E-27BD71849DB8}"/>
+                  </a:ext>
+                </a:extLst>
+              </p:cNvPr>
+              <p:cNvSpPr txBox="1">
+                <a:spLocks noRot="1" noChangeAspect="1" noMove="1" noResize="1" noEditPoints="1" noAdjustHandles="1" noChangeArrowheads="1" noChangeShapeType="1" noTextEdit="1"/>
+              </p:cNvSpPr>
+              <p:nvPr/>
+            </p:nvSpPr>
+            <p:spPr>
+              <a:xfrm>
+                <a:off x="5364088" y="1133924"/>
+                <a:ext cx="3600400" cy="2024978"/>
+              </a:xfrm>
+              <a:prstGeom prst="rect">
+                <a:avLst/>
+              </a:prstGeom>
+              <a:blipFill>
+                <a:blip r:embed="rId2"/>
+                <a:stretch>
+                  <a:fillRect l="-1523" t="-1506" b="-3916"/>
+                </a:stretch>
+              </a:blipFill>
+            </p:spPr>
+            <p:txBody>
+              <a:bodyPr/>
+              <a:lstStyle/>
+              <a:p>
+                <a:r>
+                  <a:rPr lang="en-NZ">
+                    <a:noFill/>
+                  </a:rPr>
+                  <a:t> </a:t>
+                </a:r>
+              </a:p>
+            </p:txBody>
+          </p:sp>
+        </mc:Fallback>
+      </mc:AlternateContent>
+      <p:pic>
+        <p:nvPicPr>
+          <p:cNvPr id="8" name="Grafik 7" descr="Bildschirmausschnitt">
+            <a:extLst>
+              <a:ext uri="{FF2B5EF4-FFF2-40B4-BE49-F238E27FC236}">
+                <a16:creationId xmlns:a16="http://schemas.microsoft.com/office/drawing/2014/main" id="{7B99F00D-3F6C-4C2C-852B-21A5030D6FB9}"/>
+              </a:ext>
+            </a:extLst>
+          </p:cNvPr>
+          <p:cNvPicPr>
+            <a:picLocks noChangeAspect="1"/>
+          </p:cNvPicPr>
+          <p:nvPr/>
+        </p:nvPicPr>
+        <p:blipFill>
+          <a:blip r:embed="rId3" cstate="print">
+            <a:extLst>
+              <a:ext uri="{28A0092B-C50C-407E-A947-70E740481C1C}">
+                <a14:useLocalDpi xmlns:a14="http://schemas.microsoft.com/office/drawing/2010/main" val="0"/>
+              </a:ext>
+            </a:extLst>
+          </a:blip>
+          <a:stretch>
+            <a:fillRect/>
+          </a:stretch>
+        </p:blipFill>
+        <p:spPr>
+          <a:xfrm>
+            <a:off x="691691" y="1383618"/>
+            <a:ext cx="3913845" cy="2376264"/>
+          </a:xfrm>
+          <a:prstGeom prst="rect">
+            <a:avLst/>
+          </a:prstGeom>
+          <a:ln>
+            <a:solidFill>
+              <a:schemeClr val="tx1"/>
+            </a:solidFill>
+          </a:ln>
+        </p:spPr>
+      </p:pic>
+      <p:sp>
+        <p:nvSpPr>
+          <p:cNvPr id="11" name="Textfeld 10">
+            <a:extLst>
+              <a:ext uri="{FF2B5EF4-FFF2-40B4-BE49-F238E27FC236}">
+                <a16:creationId xmlns:a16="http://schemas.microsoft.com/office/drawing/2014/main" id="{2B81E5CE-4247-4E6C-AD73-7CE8CCDE1C86}"/>
+              </a:ext>
+            </a:extLst>
+          </p:cNvPr>
+          <p:cNvSpPr txBox="1"/>
+          <p:nvPr/>
+        </p:nvSpPr>
+        <p:spPr>
+          <a:xfrm>
+            <a:off x="927252" y="3801693"/>
+            <a:ext cx="3384376" cy="246221"/>
+          </a:xfrm>
+          <a:prstGeom prst="rect">
+            <a:avLst/>
+          </a:prstGeom>
+          <a:noFill/>
+        </p:spPr>
+        <p:txBody>
+          <a:bodyPr wrap="square" rtlCol="0">
+            <a:spAutoFit/>
+          </a:bodyPr>
+          <a:lstStyle/>
+          <a:p>
+            <a:pPr algn="ctr"/>
+            <a:r>
+              <a:rPr lang="de-DE" sz="1000" dirty="0"/>
+              <a:t>Varianz-Kovarianz-Matrix der Versuchsreihe (Kline, 2015)</a:t>
+            </a:r>
+          </a:p>
+        </p:txBody>
+      </p:sp>
+      <p:sp>
+        <p:nvSpPr>
+          <p:cNvPr id="3" name="Ellipse 2">
+            <a:extLst>
+              <a:ext uri="{FF2B5EF4-FFF2-40B4-BE49-F238E27FC236}">
+                <a16:creationId xmlns:a16="http://schemas.microsoft.com/office/drawing/2014/main" id="{5C53104E-9239-4015-BBB0-F14830F6A1FE}"/>
+              </a:ext>
+            </a:extLst>
+          </p:cNvPr>
+          <p:cNvSpPr/>
+          <p:nvPr/>
+        </p:nvSpPr>
+        <p:spPr>
+          <a:xfrm>
+            <a:off x="2221939" y="3280541"/>
+            <a:ext cx="357065" cy="216024"/>
+          </a:xfrm>
+          <a:prstGeom prst="ellipse">
+            <a:avLst/>
+          </a:prstGeom>
+          <a:noFill/>
+        </p:spPr>
+        <p:style>
+          <a:lnRef idx="2">
+            <a:schemeClr val="accent2"/>
+          </a:lnRef>
+          <a:fillRef idx="1">
+            <a:schemeClr val="lt1"/>
+          </a:fillRef>
+          <a:effectRef idx="0">
+            <a:schemeClr val="accent2"/>
+          </a:effectRef>
+          <a:fontRef idx="minor">
+            <a:schemeClr val="dk1"/>
+          </a:fontRef>
+        </p:style>
+        <p:txBody>
+          <a:bodyPr rtlCol="0" anchor="ctr"/>
+          <a:lstStyle/>
+          <a:p>
+            <a:pPr algn="ctr"/>
+            <a:endParaRPr lang="en-NZ"/>
+          </a:p>
+        </p:txBody>
+      </p:sp>
     </p:spTree>
     <p:extLst>
       <p:ext uri="{BB962C8B-B14F-4D97-AF65-F5344CB8AC3E}">
-        <p14:creationId xmlns:p14="http://schemas.microsoft.com/office/powerpoint/2010/main" val="2137650087"/>
+        <p14:creationId xmlns:p14="http://schemas.microsoft.com/office/powerpoint/2010/main" val="1442578455"/>
       </p:ext>
     </p:extLst>
   </p:cSld>
@@ -14349,7 +15845,7 @@
           <a:p>
             <a:r>
               <a:rPr lang="de-DE" dirty="0"/>
-              <a:t>Literatur</a:t>
+              <a:t>Resümee</a:t>
             </a:r>
           </a:p>
         </p:txBody>
@@ -14370,226 +15866,104 @@
           <a:lstStyle/>
           <a:p>
             <a:r>
-              <a:rPr lang="de-DE" dirty="0"/>
-              <a:t>Kline, Rex: </a:t>
-            </a:r>
-            <a:br>
-              <a:rPr lang="de-DE" dirty="0"/>
-            </a:br>
-            <a:r>
-              <a:rPr lang="de-DE" sz="1400" dirty="0" err="1">
-                <a:solidFill>
-                  <a:schemeClr val="tx1">
-                    <a:lumMod val="75000"/>
-                    <a:lumOff val="25000"/>
-                  </a:schemeClr>
-                </a:solidFill>
-              </a:rPr>
-              <a:t>Pinciples</a:t>
-            </a:r>
-            <a:r>
-              <a:rPr lang="de-DE" sz="1400" dirty="0">
-                <a:solidFill>
-                  <a:schemeClr val="tx1">
-                    <a:lumMod val="75000"/>
-                    <a:lumOff val="25000"/>
-                  </a:schemeClr>
-                </a:solidFill>
-              </a:rPr>
+              <a:rPr lang="de-DE" dirty="0" err="1"/>
+              <a:t>Means</a:t>
+            </a:r>
+            <a:r>
+              <a:rPr lang="de-DE" dirty="0"/>
+              <a:t> werden in SEM oft nicht berücksichtigt, können allerdings signifikante Informationen zur Interpretation eines Modells liefern</a:t>
+            </a:r>
+          </a:p>
+          <a:p>
+            <a:r>
+              <a:rPr lang="de-DE" dirty="0"/>
+              <a:t>Wachstumsmodelle sind Strukturgleichungsmodelle mit einer </a:t>
+            </a:r>
+            <a:r>
+              <a:rPr lang="de-DE" dirty="0" err="1"/>
+              <a:t>Mean</a:t>
+            </a:r>
+            <a:r>
+              <a:rPr lang="de-DE" dirty="0"/>
               <a:t> </a:t>
             </a:r>
             <a:r>
-              <a:rPr lang="de-DE" sz="1400" dirty="0" err="1">
-                <a:solidFill>
-                  <a:schemeClr val="tx1">
-                    <a:lumMod val="75000"/>
-                    <a:lumOff val="25000"/>
-                  </a:schemeClr>
-                </a:solidFill>
-              </a:rPr>
-              <a:t>and</a:t>
-            </a:r>
-            <a:r>
-              <a:rPr lang="de-DE" sz="1400" dirty="0">
-                <a:solidFill>
-                  <a:schemeClr val="tx1">
-                    <a:lumMod val="75000"/>
-                    <a:lumOff val="25000"/>
-                  </a:schemeClr>
-                </a:solidFill>
-              </a:rPr>
-              <a:t> Practice </a:t>
-            </a:r>
-            <a:r>
-              <a:rPr lang="de-DE" sz="1400" dirty="0" err="1">
-                <a:solidFill>
-                  <a:schemeClr val="tx1">
-                    <a:lumMod val="75000"/>
-                    <a:lumOff val="25000"/>
-                  </a:schemeClr>
-                </a:solidFill>
-              </a:rPr>
-              <a:t>of</a:t>
-            </a:r>
-            <a:r>
-              <a:rPr lang="de-DE" sz="1400" dirty="0">
-                <a:solidFill>
-                  <a:schemeClr val="tx1">
-                    <a:lumMod val="75000"/>
-                    <a:lumOff val="25000"/>
-                  </a:schemeClr>
-                </a:solidFill>
-              </a:rPr>
-              <a:t> </a:t>
-            </a:r>
-            <a:r>
-              <a:rPr lang="de-DE" sz="1400" dirty="0" err="1">
-                <a:solidFill>
-                  <a:schemeClr val="tx1">
-                    <a:lumMod val="75000"/>
-                    <a:lumOff val="25000"/>
-                  </a:schemeClr>
-                </a:solidFill>
-              </a:rPr>
-              <a:t>Structural</a:t>
-            </a:r>
-            <a:r>
-              <a:rPr lang="de-DE" sz="1400" dirty="0">
-                <a:solidFill>
-                  <a:schemeClr val="tx1">
-                    <a:lumMod val="75000"/>
-                    <a:lumOff val="25000"/>
-                  </a:schemeClr>
-                </a:solidFill>
-              </a:rPr>
-              <a:t> </a:t>
-            </a:r>
-            <a:r>
-              <a:rPr lang="de-DE" sz="1400" dirty="0" err="1">
-                <a:solidFill>
-                  <a:schemeClr val="tx1">
-                    <a:lumMod val="75000"/>
-                    <a:lumOff val="25000"/>
-                  </a:schemeClr>
-                </a:solidFill>
-              </a:rPr>
-              <a:t>Equation</a:t>
-            </a:r>
-            <a:r>
-              <a:rPr lang="de-DE" sz="1400" dirty="0">
-                <a:solidFill>
-                  <a:schemeClr val="tx1">
-                    <a:lumMod val="75000"/>
-                    <a:lumOff val="25000"/>
-                  </a:schemeClr>
-                </a:solidFill>
-              </a:rPr>
-              <a:t> Modeling</a:t>
-            </a:r>
-            <a:br>
-              <a:rPr lang="de-DE" sz="1400" dirty="0">
-                <a:solidFill>
-                  <a:schemeClr val="tx1">
-                    <a:lumMod val="75000"/>
-                    <a:lumOff val="25000"/>
-                  </a:schemeClr>
-                </a:solidFill>
-              </a:rPr>
-            </a:br>
-            <a:r>
-              <a:rPr lang="de-DE" sz="1400" dirty="0" err="1">
-                <a:solidFill>
-                  <a:schemeClr val="tx1">
-                    <a:lumMod val="75000"/>
-                    <a:lumOff val="25000"/>
-                  </a:schemeClr>
-                </a:solidFill>
-              </a:rPr>
-              <a:t>Fourth</a:t>
-            </a:r>
-            <a:r>
-              <a:rPr lang="de-DE" sz="1400" dirty="0">
-                <a:solidFill>
-                  <a:schemeClr val="tx1">
-                    <a:lumMod val="75000"/>
-                    <a:lumOff val="25000"/>
-                  </a:schemeClr>
-                </a:solidFill>
-              </a:rPr>
-              <a:t> Edition, </a:t>
-            </a:r>
-            <a:r>
-              <a:rPr lang="de-DE" sz="1400" dirty="0" smtClean="0">
-                <a:solidFill>
-                  <a:schemeClr val="tx1">
-                    <a:lumMod val="75000"/>
-                    <a:lumOff val="25000"/>
-                  </a:schemeClr>
-                </a:solidFill>
-              </a:rPr>
-              <a:t>2015</a:t>
-            </a:r>
-          </a:p>
-          <a:p>
-            <a:r>
-              <a:rPr lang="de-DE" dirty="0" err="1" smtClean="0"/>
-              <a:t>Lavaan</a:t>
-            </a:r>
-            <a:r>
-              <a:rPr lang="de-DE" dirty="0" smtClean="0"/>
-              <a:t>:</a:t>
-            </a:r>
-            <a:r>
-              <a:rPr lang="de-DE" sz="1400" dirty="0" smtClean="0">
-                <a:solidFill>
-                  <a:schemeClr val="tx1">
-                    <a:lumMod val="75000"/>
-                    <a:lumOff val="25000"/>
-                  </a:schemeClr>
-                </a:solidFill>
-              </a:rPr>
-              <a:t/>
-            </a:r>
-            <a:br>
-              <a:rPr lang="de-DE" sz="1400" dirty="0" smtClean="0">
-                <a:solidFill>
-                  <a:schemeClr val="tx1">
-                    <a:lumMod val="75000"/>
-                    <a:lumOff val="25000"/>
-                  </a:schemeClr>
-                </a:solidFill>
-              </a:rPr>
-            </a:br>
-            <a:r>
-              <a:rPr lang="de-DE" sz="1400" dirty="0" smtClean="0">
-                <a:solidFill>
-                  <a:schemeClr val="tx1">
-                    <a:lumMod val="75000"/>
-                    <a:lumOff val="25000"/>
-                  </a:schemeClr>
-                </a:solidFill>
-              </a:rPr>
-              <a:t>http</a:t>
-            </a:r>
-            <a:r>
-              <a:rPr lang="de-DE" sz="1400" dirty="0">
-                <a:solidFill>
-                  <a:schemeClr val="tx1">
-                    <a:lumMod val="75000"/>
-                    <a:lumOff val="25000"/>
-                  </a:schemeClr>
-                </a:solidFill>
-              </a:rPr>
-              <a:t>://lavaan.ugent.be/about.html</a:t>
-            </a:r>
-            <a:endParaRPr lang="de-DE" sz="1400" dirty="0">
-              <a:solidFill>
-                <a:schemeClr val="tx1">
-                  <a:lumMod val="75000"/>
-                  <a:lumOff val="25000"/>
-                </a:schemeClr>
-              </a:solidFill>
-            </a:endParaRPr>
+              <a:rPr lang="de-DE" dirty="0" err="1"/>
+              <a:t>Structure</a:t>
+            </a:r>
+            <a:endParaRPr lang="de-DE" dirty="0"/>
+          </a:p>
+          <a:p>
+            <a:r>
+              <a:rPr lang="de-DE" dirty="0"/>
+              <a:t>Verwendet wird ein Messmodell mit zwei oder mehreren latenten Variablen, die als Parameter der Wachstumskurve agieren</a:t>
+            </a:r>
+          </a:p>
+          <a:p>
+            <a:r>
+              <a:rPr lang="de-DE" dirty="0"/>
+              <a:t>Lineare und </a:t>
+            </a:r>
+            <a:r>
+              <a:rPr lang="de-DE" dirty="0" err="1"/>
+              <a:t>polynomielle</a:t>
+            </a:r>
+            <a:r>
+              <a:rPr lang="de-DE" dirty="0"/>
+              <a:t> Wachstumsmodelle liefern gute Anpassungen für Daten, deren Komplexitätsgrad kleiner oder gleich ist</a:t>
+            </a:r>
+          </a:p>
+          <a:p>
+            <a:r>
+              <a:rPr lang="de-DE" dirty="0" err="1"/>
+              <a:t>Curvilineare</a:t>
+            </a:r>
+            <a:r>
+              <a:rPr lang="de-DE" dirty="0"/>
+              <a:t> Modelle liefern meist gute Anpassungen für Daten sämtlicher Komplexität, sind allerdings schwer interpretierbar, wenn die wahre Abhängigkeit nicht bekannt ist</a:t>
+            </a:r>
+          </a:p>
+          <a:p>
+            <a:r>
+              <a:rPr lang="de-DE" dirty="0" err="1"/>
+              <a:t>Intercept</a:t>
+            </a:r>
+            <a:r>
+              <a:rPr lang="de-DE" dirty="0"/>
+              <a:t> und </a:t>
+            </a:r>
+            <a:r>
+              <a:rPr lang="de-DE" dirty="0" err="1"/>
+              <a:t>Slope</a:t>
+            </a:r>
+            <a:r>
+              <a:rPr lang="de-DE" dirty="0"/>
+              <a:t> können von weiteren latenten Variablen beeinflusst werden (Bsp. </a:t>
+            </a:r>
+            <a:r>
+              <a:rPr lang="de-DE" dirty="0" err="1"/>
+              <a:t>Ability</a:t>
+            </a:r>
+            <a:r>
+              <a:rPr lang="de-DE" dirty="0"/>
+              <a:t>), sodass sich der Effekt in den Daten nicht lediglich aus der Abbildung durch </a:t>
+            </a:r>
+            <a:r>
+              <a:rPr lang="de-DE" dirty="0" err="1"/>
+              <a:t>Intercept</a:t>
+            </a:r>
+            <a:r>
+              <a:rPr lang="de-DE" dirty="0"/>
+              <a:t> und </a:t>
+            </a:r>
+            <a:r>
+              <a:rPr lang="de-DE" dirty="0" err="1"/>
+              <a:t>Slope</a:t>
+            </a:r>
+            <a:r>
+              <a:rPr lang="de-DE" dirty="0"/>
+              <a:t> ableitet</a:t>
+            </a:r>
           </a:p>
         </p:txBody>
       </p:sp>
@@ -14667,7 +16041,7 @@
     </p:spTree>
     <p:extLst>
       <p:ext uri="{BB962C8B-B14F-4D97-AF65-F5344CB8AC3E}">
-        <p14:creationId xmlns:p14="http://schemas.microsoft.com/office/powerpoint/2010/main" val="3899092122"/>
+        <p14:creationId xmlns:p14="http://schemas.microsoft.com/office/powerpoint/2010/main" val="2137650087"/>
       </p:ext>
     </p:extLst>
   </p:cSld>
@@ -14711,6 +16085,327 @@
           <a:p>
             <a:r>
               <a:rPr lang="de-DE" dirty="0"/>
+              <a:t>Literatur</a:t>
+            </a:r>
+          </a:p>
+        </p:txBody>
+      </p:sp>
+      <p:sp>
+        <p:nvSpPr>
+          <p:cNvPr id="3" name="Inhaltsplatzhalter 2"/>
+          <p:cNvSpPr>
+            <a:spLocks noGrp="1"/>
+          </p:cNvSpPr>
+          <p:nvPr>
+            <p:ph idx="1"/>
+          </p:nvPr>
+        </p:nvSpPr>
+        <p:spPr/>
+        <p:txBody>
+          <a:bodyPr/>
+          <a:lstStyle/>
+          <a:p>
+            <a:r>
+              <a:rPr lang="de-DE" dirty="0"/>
+              <a:t>Kline, Rex: </a:t>
+            </a:r>
+            <a:br>
+              <a:rPr lang="de-DE" dirty="0"/>
+            </a:br>
+            <a:r>
+              <a:rPr lang="de-DE" sz="1400" dirty="0" err="1">
+                <a:solidFill>
+                  <a:schemeClr val="tx1">
+                    <a:lumMod val="75000"/>
+                    <a:lumOff val="25000"/>
+                  </a:schemeClr>
+                </a:solidFill>
+              </a:rPr>
+              <a:t>Pinciples</a:t>
+            </a:r>
+            <a:r>
+              <a:rPr lang="de-DE" sz="1400" dirty="0">
+                <a:solidFill>
+                  <a:schemeClr val="tx1">
+                    <a:lumMod val="75000"/>
+                    <a:lumOff val="25000"/>
+                  </a:schemeClr>
+                </a:solidFill>
+              </a:rPr>
+              <a:t> </a:t>
+            </a:r>
+            <a:r>
+              <a:rPr lang="de-DE" sz="1400" dirty="0" err="1">
+                <a:solidFill>
+                  <a:schemeClr val="tx1">
+                    <a:lumMod val="75000"/>
+                    <a:lumOff val="25000"/>
+                  </a:schemeClr>
+                </a:solidFill>
+              </a:rPr>
+              <a:t>and</a:t>
+            </a:r>
+            <a:r>
+              <a:rPr lang="de-DE" sz="1400" dirty="0">
+                <a:solidFill>
+                  <a:schemeClr val="tx1">
+                    <a:lumMod val="75000"/>
+                    <a:lumOff val="25000"/>
+                  </a:schemeClr>
+                </a:solidFill>
+              </a:rPr>
+              <a:t> Practice </a:t>
+            </a:r>
+            <a:r>
+              <a:rPr lang="de-DE" sz="1400" dirty="0" err="1">
+                <a:solidFill>
+                  <a:schemeClr val="tx1">
+                    <a:lumMod val="75000"/>
+                    <a:lumOff val="25000"/>
+                  </a:schemeClr>
+                </a:solidFill>
+              </a:rPr>
+              <a:t>of</a:t>
+            </a:r>
+            <a:r>
+              <a:rPr lang="de-DE" sz="1400" dirty="0">
+                <a:solidFill>
+                  <a:schemeClr val="tx1">
+                    <a:lumMod val="75000"/>
+                    <a:lumOff val="25000"/>
+                  </a:schemeClr>
+                </a:solidFill>
+              </a:rPr>
+              <a:t> </a:t>
+            </a:r>
+            <a:r>
+              <a:rPr lang="de-DE" sz="1400" dirty="0" err="1">
+                <a:solidFill>
+                  <a:schemeClr val="tx1">
+                    <a:lumMod val="75000"/>
+                    <a:lumOff val="25000"/>
+                  </a:schemeClr>
+                </a:solidFill>
+              </a:rPr>
+              <a:t>Structural</a:t>
+            </a:r>
+            <a:r>
+              <a:rPr lang="de-DE" sz="1400" dirty="0">
+                <a:solidFill>
+                  <a:schemeClr val="tx1">
+                    <a:lumMod val="75000"/>
+                    <a:lumOff val="25000"/>
+                  </a:schemeClr>
+                </a:solidFill>
+              </a:rPr>
+              <a:t> </a:t>
+            </a:r>
+            <a:r>
+              <a:rPr lang="de-DE" sz="1400" dirty="0" err="1">
+                <a:solidFill>
+                  <a:schemeClr val="tx1">
+                    <a:lumMod val="75000"/>
+                    <a:lumOff val="25000"/>
+                  </a:schemeClr>
+                </a:solidFill>
+              </a:rPr>
+              <a:t>Equation</a:t>
+            </a:r>
+            <a:r>
+              <a:rPr lang="de-DE" sz="1400" dirty="0">
+                <a:solidFill>
+                  <a:schemeClr val="tx1">
+                    <a:lumMod val="75000"/>
+                    <a:lumOff val="25000"/>
+                  </a:schemeClr>
+                </a:solidFill>
+              </a:rPr>
+              <a:t> Modeling</a:t>
+            </a:r>
+            <a:br>
+              <a:rPr lang="de-DE" sz="1400" dirty="0">
+                <a:solidFill>
+                  <a:schemeClr val="tx1">
+                    <a:lumMod val="75000"/>
+                    <a:lumOff val="25000"/>
+                  </a:schemeClr>
+                </a:solidFill>
+              </a:rPr>
+            </a:br>
+            <a:r>
+              <a:rPr lang="de-DE" sz="1400" dirty="0" err="1">
+                <a:solidFill>
+                  <a:schemeClr val="tx1">
+                    <a:lumMod val="75000"/>
+                    <a:lumOff val="25000"/>
+                  </a:schemeClr>
+                </a:solidFill>
+              </a:rPr>
+              <a:t>Fourth</a:t>
+            </a:r>
+            <a:r>
+              <a:rPr lang="de-DE" sz="1400" dirty="0">
+                <a:solidFill>
+                  <a:schemeClr val="tx1">
+                    <a:lumMod val="75000"/>
+                    <a:lumOff val="25000"/>
+                  </a:schemeClr>
+                </a:solidFill>
+              </a:rPr>
+              <a:t> Edition, 2015</a:t>
+            </a:r>
+          </a:p>
+          <a:p>
+            <a:r>
+              <a:rPr lang="de-DE" dirty="0" err="1"/>
+              <a:t>Lavaan</a:t>
+            </a:r>
+            <a:r>
+              <a:rPr lang="de-DE" dirty="0"/>
+              <a:t>:</a:t>
+            </a:r>
+            <a:br>
+              <a:rPr lang="de-DE" sz="1400" dirty="0">
+                <a:solidFill>
+                  <a:schemeClr val="tx1">
+                    <a:lumMod val="75000"/>
+                    <a:lumOff val="25000"/>
+                  </a:schemeClr>
+                </a:solidFill>
+              </a:rPr>
+            </a:br>
+            <a:r>
+              <a:rPr lang="de-DE" sz="1400" dirty="0">
+                <a:solidFill>
+                  <a:schemeClr val="tx1">
+                    <a:lumMod val="75000"/>
+                    <a:lumOff val="25000"/>
+                  </a:schemeClr>
+                </a:solidFill>
+              </a:rPr>
+              <a:t>http://lavaan.ugent.be/about.html</a:t>
+            </a:r>
+          </a:p>
+        </p:txBody>
+      </p:sp>
+      <p:sp>
+        <p:nvSpPr>
+          <p:cNvPr id="4" name="Datumsplatzhalter 3"/>
+          <p:cNvSpPr>
+            <a:spLocks noGrp="1"/>
+          </p:cNvSpPr>
+          <p:nvPr>
+            <p:ph type="dt" sz="half" idx="10"/>
+          </p:nvPr>
+        </p:nvSpPr>
+        <p:spPr/>
+        <p:txBody>
+          <a:bodyPr/>
+          <a:lstStyle/>
+          <a:p>
+            <a:fld id="{6DB845E5-DACF-426C-8A10-A6438D29DD66}" type="datetime1">
+              <a:rPr lang="de-DE" smtClean="0"/>
+              <a:pPr/>
+              <a:t>19.02.2018</a:t>
+            </a:fld>
+            <a:endParaRPr lang="de-DE"/>
+          </a:p>
+        </p:txBody>
+      </p:sp>
+      <p:sp>
+        <p:nvSpPr>
+          <p:cNvPr id="5" name="Fußzeilenplatzhalter 4"/>
+          <p:cNvSpPr>
+            <a:spLocks noGrp="1"/>
+          </p:cNvSpPr>
+          <p:nvPr>
+            <p:ph type="ftr" sz="quarter" idx="11"/>
+          </p:nvPr>
+        </p:nvSpPr>
+        <p:spPr/>
+        <p:txBody>
+          <a:bodyPr/>
+          <a:lstStyle/>
+          <a:p>
+            <a:r>
+              <a:rPr lang="de-DE"/>
+              <a:t>Structural Equation Modelling – Wintersemester 2017/2018</a:t>
+            </a:r>
+            <a:endParaRPr lang="de-DE" dirty="0"/>
+          </a:p>
+        </p:txBody>
+      </p:sp>
+      <p:sp>
+        <p:nvSpPr>
+          <p:cNvPr id="6" name="Foliennummernplatzhalter 5"/>
+          <p:cNvSpPr>
+            <a:spLocks noGrp="1"/>
+          </p:cNvSpPr>
+          <p:nvPr>
+            <p:ph type="sldNum" sz="quarter" idx="12"/>
+          </p:nvPr>
+        </p:nvSpPr>
+        <p:spPr/>
+        <p:txBody>
+          <a:bodyPr/>
+          <a:lstStyle/>
+          <a:p>
+            <a:fld id="{015363AA-F6CB-4A58-B5AD-B2CDFEAF0813}" type="slidenum">
+              <a:rPr lang="de-DE" smtClean="0"/>
+              <a:pPr/>
+              <a:t>23</a:t>
+            </a:fld>
+            <a:endParaRPr lang="de-DE"/>
+          </a:p>
+        </p:txBody>
+      </p:sp>
+    </p:spTree>
+    <p:extLst>
+      <p:ext uri="{BB962C8B-B14F-4D97-AF65-F5344CB8AC3E}">
+        <p14:creationId xmlns:p14="http://schemas.microsoft.com/office/powerpoint/2010/main" val="3899092122"/>
+      </p:ext>
+    </p:extLst>
+  </p:cSld>
+  <p:clrMapOvr>
+    <a:masterClrMapping/>
+  </p:clrMapOvr>
+</p:sld>
+</file>
+
+<file path=ppt/slides/slide24.xml><?xml version="1.0" encoding="utf-8"?>
+<p:sld xmlns:a="http://schemas.openxmlformats.org/drawingml/2006/main" xmlns:r="http://schemas.openxmlformats.org/officeDocument/2006/relationships" xmlns:p="http://schemas.openxmlformats.org/presentationml/2006/main">
+  <p:cSld>
+    <p:spTree>
+      <p:nvGrpSpPr>
+        <p:cNvPr id="1" name=""/>
+        <p:cNvGrpSpPr/>
+        <p:nvPr/>
+      </p:nvGrpSpPr>
+      <p:grpSpPr>
+        <a:xfrm>
+          <a:off x="0" y="0"/>
+          <a:ext cx="0" cy="0"/>
+          <a:chOff x="0" y="0"/>
+          <a:chExt cx="0" cy="0"/>
+        </a:xfrm>
+      </p:grpSpPr>
+      <p:sp>
+        <p:nvSpPr>
+          <p:cNvPr id="2" name="Titel 1"/>
+          <p:cNvSpPr>
+            <a:spLocks noGrp="1"/>
+          </p:cNvSpPr>
+          <p:nvPr>
+            <p:ph type="title"/>
+          </p:nvPr>
+        </p:nvSpPr>
+        <p:spPr/>
+        <p:txBody>
+          <a:bodyPr/>
+          <a:lstStyle/>
+          <a:p>
+            <a:r>
+              <a:rPr lang="de-DE" dirty="0"/>
               <a:t>Vielen Dank für Ihre Aufmerksamkeit.</a:t>
             </a:r>
           </a:p>
@@ -14781,7 +16476,7 @@
             <a:fld id="{015363AA-F6CB-4A58-B5AD-B2CDFEAF0813}" type="slidenum">
               <a:rPr lang="de-DE" smtClean="0"/>
               <a:pPr/>
-              <a:t>23</a:t>
+              <a:t>24</a:t>
             </a:fld>
             <a:endParaRPr lang="de-DE"/>
           </a:p>
@@ -14813,6 +16508,189 @@
     <p:extLst>
       <p:ext uri="{BB962C8B-B14F-4D97-AF65-F5344CB8AC3E}">
         <p14:creationId xmlns:p14="http://schemas.microsoft.com/office/powerpoint/2010/main" val="121839908"/>
+      </p:ext>
+    </p:extLst>
+  </p:cSld>
+  <p:clrMapOvr>
+    <a:masterClrMapping/>
+  </p:clrMapOvr>
+</p:sld>
+</file>
+
+<file path=ppt/slides/slide25.xml><?xml version="1.0" encoding="utf-8"?>
+<p:sld xmlns:a="http://schemas.openxmlformats.org/drawingml/2006/main" xmlns:r="http://schemas.openxmlformats.org/officeDocument/2006/relationships" xmlns:p="http://schemas.openxmlformats.org/presentationml/2006/main">
+  <p:cSld>
+    <p:spTree>
+      <p:nvGrpSpPr>
+        <p:cNvPr id="1" name=""/>
+        <p:cNvGrpSpPr/>
+        <p:nvPr/>
+      </p:nvGrpSpPr>
+      <p:grpSpPr>
+        <a:xfrm>
+          <a:off x="0" y="0"/>
+          <a:ext cx="0" cy="0"/>
+          <a:chOff x="0" y="0"/>
+          <a:chExt cx="0" cy="0"/>
+        </a:xfrm>
+      </p:grpSpPr>
+      <p:sp>
+        <p:nvSpPr>
+          <p:cNvPr id="2" name="Titel 1">
+            <a:extLst>
+              <a:ext uri="{FF2B5EF4-FFF2-40B4-BE49-F238E27FC236}">
+                <a16:creationId xmlns:a16="http://schemas.microsoft.com/office/drawing/2014/main" id="{8F9CD9AC-2277-4533-B29E-18F824684C1D}"/>
+              </a:ext>
+            </a:extLst>
+          </p:cNvPr>
+          <p:cNvSpPr>
+            <a:spLocks noGrp="1"/>
+          </p:cNvSpPr>
+          <p:nvPr>
+            <p:ph type="title"/>
+          </p:nvPr>
+        </p:nvSpPr>
+        <p:spPr/>
+        <p:txBody>
+          <a:bodyPr/>
+          <a:lstStyle/>
+          <a:p>
+            <a:r>
+              <a:rPr lang="de-DE" dirty="0" err="1"/>
+              <a:t>Predicting</a:t>
+            </a:r>
+            <a:r>
+              <a:rPr lang="de-DE" dirty="0"/>
+              <a:t> Change Model </a:t>
+            </a:r>
+            <a:endParaRPr lang="en-NZ" dirty="0"/>
+          </a:p>
+        </p:txBody>
+      </p:sp>
+      <p:pic>
+        <p:nvPicPr>
+          <p:cNvPr id="7" name="Inhaltsplatzhalter 6">
+            <a:extLst>
+              <a:ext uri="{FF2B5EF4-FFF2-40B4-BE49-F238E27FC236}">
+                <a16:creationId xmlns:a16="http://schemas.microsoft.com/office/drawing/2014/main" id="{22062FB6-49FC-479A-BC51-287B6C3DA781}"/>
+              </a:ext>
+            </a:extLst>
+          </p:cNvPr>
+          <p:cNvPicPr>
+            <a:picLocks noGrp="1" noChangeAspect="1"/>
+          </p:cNvPicPr>
+          <p:nvPr>
+            <p:ph idx="1"/>
+          </p:nvPr>
+        </p:nvPicPr>
+        <p:blipFill rotWithShape="1">
+          <a:blip r:embed="rId2"/>
+          <a:srcRect l="12727" t="12454" r="13633" b="8580"/>
+          <a:stretch/>
+        </p:blipFill>
+        <p:spPr>
+          <a:xfrm>
+            <a:off x="827584" y="945028"/>
+            <a:ext cx="7675686" cy="3786962"/>
+          </a:xfrm>
+          <a:prstGeom prst="rect">
+            <a:avLst/>
+          </a:prstGeom>
+        </p:spPr>
+      </p:pic>
+      <p:sp>
+        <p:nvSpPr>
+          <p:cNvPr id="4" name="Datumsplatzhalter 3">
+            <a:extLst>
+              <a:ext uri="{FF2B5EF4-FFF2-40B4-BE49-F238E27FC236}">
+                <a16:creationId xmlns:a16="http://schemas.microsoft.com/office/drawing/2014/main" id="{1322CE8B-7C17-42A4-8ADE-82549C611C2E}"/>
+              </a:ext>
+            </a:extLst>
+          </p:cNvPr>
+          <p:cNvSpPr>
+            <a:spLocks noGrp="1"/>
+          </p:cNvSpPr>
+          <p:nvPr>
+            <p:ph type="dt" sz="half" idx="10"/>
+          </p:nvPr>
+        </p:nvSpPr>
+        <p:spPr/>
+        <p:txBody>
+          <a:bodyPr/>
+          <a:lstStyle/>
+          <a:p>
+            <a:fld id="{6DB845E5-DACF-426C-8A10-A6438D29DD66}" type="datetime1">
+              <a:rPr lang="de-DE" smtClean="0"/>
+              <a:pPr/>
+              <a:t>19.02.2018</a:t>
+            </a:fld>
+            <a:endParaRPr lang="de-DE"/>
+          </a:p>
+        </p:txBody>
+      </p:sp>
+      <p:sp>
+        <p:nvSpPr>
+          <p:cNvPr id="5" name="Fußzeilenplatzhalter 4">
+            <a:extLst>
+              <a:ext uri="{FF2B5EF4-FFF2-40B4-BE49-F238E27FC236}">
+                <a16:creationId xmlns:a16="http://schemas.microsoft.com/office/drawing/2014/main" id="{0232782A-509C-4B82-931D-180632390FBC}"/>
+              </a:ext>
+            </a:extLst>
+          </p:cNvPr>
+          <p:cNvSpPr>
+            <a:spLocks noGrp="1"/>
+          </p:cNvSpPr>
+          <p:nvPr>
+            <p:ph type="ftr" sz="quarter" idx="11"/>
+          </p:nvPr>
+        </p:nvSpPr>
+        <p:spPr/>
+        <p:txBody>
+          <a:bodyPr/>
+          <a:lstStyle/>
+          <a:p>
+            <a:r>
+              <a:rPr lang="de-DE"/>
+              <a:t>Structural Equation Modelling – Wintersemester 2017/2018</a:t>
+            </a:r>
+            <a:endParaRPr lang="de-DE" dirty="0"/>
+          </a:p>
+        </p:txBody>
+      </p:sp>
+      <p:sp>
+        <p:nvSpPr>
+          <p:cNvPr id="6" name="Foliennummernplatzhalter 5">
+            <a:extLst>
+              <a:ext uri="{FF2B5EF4-FFF2-40B4-BE49-F238E27FC236}">
+                <a16:creationId xmlns:a16="http://schemas.microsoft.com/office/drawing/2014/main" id="{BED88E5B-CB30-497D-849F-6E25F6017F17}"/>
+              </a:ext>
+            </a:extLst>
+          </p:cNvPr>
+          <p:cNvSpPr>
+            <a:spLocks noGrp="1"/>
+          </p:cNvSpPr>
+          <p:nvPr>
+            <p:ph type="sldNum" sz="quarter" idx="12"/>
+          </p:nvPr>
+        </p:nvSpPr>
+        <p:spPr/>
+        <p:txBody>
+          <a:bodyPr/>
+          <a:lstStyle/>
+          <a:p>
+            <a:fld id="{015363AA-F6CB-4A58-B5AD-B2CDFEAF0813}" type="slidenum">
+              <a:rPr lang="de-DE" smtClean="0"/>
+              <a:pPr/>
+              <a:t>25</a:t>
+            </a:fld>
+            <a:endParaRPr lang="de-DE"/>
+          </a:p>
+        </p:txBody>
+      </p:sp>
+    </p:spTree>
+    <p:extLst>
+      <p:ext uri="{BB962C8B-B14F-4D97-AF65-F5344CB8AC3E}">
+        <p14:creationId xmlns:p14="http://schemas.microsoft.com/office/powerpoint/2010/main" val="1861607210"/>
       </p:ext>
     </p:extLst>
   </p:cSld>
@@ -14983,11 +16861,7 @@
           <a:p>
             <a:r>
               <a:rPr lang="de-DE" dirty="0"/>
-              <a:t>Modellanpassung </a:t>
-            </a:r>
-            <a:r>
-              <a:rPr lang="de-DE" dirty="0" smtClean="0"/>
-              <a:t>mit einer </a:t>
+              <a:t>Modellanpassung mit einer </a:t>
             </a:r>
             <a:r>
               <a:rPr lang="de-DE" dirty="0" err="1"/>
@@ -15028,12 +16902,8 @@
               <a:t>Varianz-Kovarianz-Matrix und Angabe der </a:t>
             </a:r>
             <a:r>
-              <a:rPr lang="de-DE" dirty="0" err="1" smtClean="0"/>
+              <a:rPr lang="de-DE" dirty="0" err="1"/>
               <a:t>Means</a:t>
-            </a:r>
-            <a:r>
-              <a:rPr lang="de-DE" dirty="0"/>
-              <a:t/>
             </a:r>
             <a:br>
               <a:rPr lang="de-DE" dirty="0"/>
@@ -15123,13 +16993,6 @@
   <p:clrMapOvr>
     <a:masterClrMapping/>
   </p:clrMapOvr>
-  <p:timing>
-    <p:tnLst>
-      <p:par>
-        <p:cTn id="1" dur="indefinite" restart="never" nodeType="tmRoot"/>
-      </p:par>
-    </p:tnLst>
-  </p:timing>
 </p:sld>
 </file>
 
@@ -15185,8 +17048,8 @@
           </a:p>
         </p:txBody>
       </p:sp>
-      <mc:AlternateContent xmlns:mc="http://schemas.openxmlformats.org/markup-compatibility/2006">
-        <mc:Choice xmlns:a14="http://schemas.microsoft.com/office/drawing/2010/main" Requires="a14">
+      <mc:AlternateContent xmlns:mc="http://schemas.openxmlformats.org/markup-compatibility/2006" xmlns:a14="http://schemas.microsoft.com/office/drawing/2010/main">
+        <mc:Choice Requires="a14">
           <p:sp>
             <p:nvSpPr>
               <p:cNvPr id="3" name="Inhaltsplatzhalter 2"/>
@@ -15210,7 +17073,7 @@
               <a:lstStyle/>
               <a:p>
                 <a:r>
-                  <a:rPr lang="de-DE" dirty="0" smtClean="0"/>
+                  <a:rPr lang="de-DE" dirty="0"/>
                   <a:t>Beispiel einer </a:t>
                 </a:r>
                 <a:r>
@@ -15308,7 +17171,7 @@
                     </m:r>
                   </m:oMath>
                 </a14:m>
-                <a:endParaRPr lang="de-DE" i="1" dirty="0" smtClean="0">
+                <a:endParaRPr lang="de-DE" i="1" dirty="0">
                   <a:latin typeface="Cambria Math" panose="02040503050406030204" pitchFamily="18" charset="0"/>
                 </a:endParaRPr>
               </a:p>
@@ -15451,7 +17314,7 @@
             </p:txBody>
           </p:sp>
         </mc:Choice>
-        <mc:Fallback>
+        <mc:Fallback xmlns="">
           <p:sp>
             <p:nvSpPr>
               <p:cNvPr id="3" name="Inhaltsplatzhalter 2"/>
@@ -15718,13 +17581,6 @@
   <p:clrMapOvr>
     <a:masterClrMapping/>
   </p:clrMapOvr>
-  <p:timing>
-    <p:tnLst>
-      <p:par>
-        <p:cTn id="1" dur="indefinite" restart="never" nodeType="tmRoot"/>
-      </p:par>
-    </p:tnLst>
-  </p:timing>
 </p:sld>
 </file>
 
@@ -15773,14 +17629,13 @@
               <a:t> </a:t>
             </a:r>
             <a:r>
-              <a:rPr lang="de-DE" dirty="0" err="1" smtClean="0"/>
+              <a:rPr lang="de-DE" dirty="0" err="1"/>
               <a:t>Structures</a:t>
             </a:r>
             <a:r>
-              <a:rPr lang="de-DE" dirty="0" smtClean="0"/>
+              <a:rPr lang="de-DE" dirty="0"/>
               <a:t> vs. Wachstumsmodelle</a:t>
             </a:r>
-            <a:endParaRPr lang="de-DE" dirty="0"/>
           </a:p>
         </p:txBody>
       </p:sp>
@@ -15824,7 +17679,7 @@
           <a:lstStyle/>
           <a:p>
             <a:r>
-              <a:rPr lang="de-DE" smtClean="0"/>
+              <a:rPr lang="de-DE"/>
               <a:t>Structural Equation Modelling – Wintersemester 2017/2018</a:t>
             </a:r>
             <a:endParaRPr lang="de-DE" dirty="0"/>
@@ -16002,7 +17857,7 @@
           <a:lstStyle/>
           <a:p>
             <a:r>
-              <a:rPr lang="de-DE" sz="900" dirty="0" smtClean="0">
+              <a:rPr lang="de-DE" sz="900" dirty="0">
                 <a:solidFill>
                   <a:schemeClr val="accent3">
                     <a:lumMod val="50000"/>
@@ -16011,13 +17866,6 @@
               </a:rPr>
               <a:t>1</a:t>
             </a:r>
-            <a:endParaRPr lang="de-DE" sz="900" dirty="0">
-              <a:solidFill>
-                <a:schemeClr val="accent3">
-                  <a:lumMod val="50000"/>
-                </a:schemeClr>
-              </a:solidFill>
-            </a:endParaRPr>
           </a:p>
         </p:txBody>
       </p:sp>
@@ -16044,7 +17892,7 @@
           <a:lstStyle/>
           <a:p>
             <a:r>
-              <a:rPr lang="de-DE" sz="900" dirty="0" smtClean="0">
+              <a:rPr lang="de-DE" sz="900" dirty="0">
                 <a:solidFill>
                   <a:schemeClr val="accent3">
                     <a:lumMod val="50000"/>
@@ -16053,13 +17901,6 @@
               </a:rPr>
               <a:t>1</a:t>
             </a:r>
-            <a:endParaRPr lang="de-DE" sz="900" dirty="0">
-              <a:solidFill>
-                <a:schemeClr val="accent3">
-                  <a:lumMod val="50000"/>
-                </a:schemeClr>
-              </a:solidFill>
-            </a:endParaRPr>
           </a:p>
         </p:txBody>
       </p:sp>
@@ -16086,7 +17927,7 @@
           <a:lstStyle/>
           <a:p>
             <a:r>
-              <a:rPr lang="de-DE" sz="900" dirty="0" smtClean="0">
+              <a:rPr lang="de-DE" sz="900" dirty="0">
                 <a:solidFill>
                   <a:schemeClr val="accent3">
                     <a:lumMod val="50000"/>
@@ -16095,13 +17936,6 @@
               </a:rPr>
               <a:t>1</a:t>
             </a:r>
-            <a:endParaRPr lang="de-DE" sz="900" dirty="0">
-              <a:solidFill>
-                <a:schemeClr val="accent3">
-                  <a:lumMod val="50000"/>
-                </a:schemeClr>
-              </a:solidFill>
-            </a:endParaRPr>
           </a:p>
         </p:txBody>
       </p:sp>
@@ -16128,7 +17962,7 @@
           <a:lstStyle/>
           <a:p>
             <a:r>
-              <a:rPr lang="de-DE" sz="900" dirty="0" smtClean="0">
+              <a:rPr lang="de-DE" sz="900" dirty="0">
                 <a:solidFill>
                   <a:schemeClr val="accent3">
                     <a:lumMod val="50000"/>
@@ -16137,13 +17971,6 @@
               </a:rPr>
               <a:t>1</a:t>
             </a:r>
-            <a:endParaRPr lang="de-DE" sz="900" dirty="0">
-              <a:solidFill>
-                <a:schemeClr val="accent3">
-                  <a:lumMod val="50000"/>
-                </a:schemeClr>
-              </a:solidFill>
-            </a:endParaRPr>
           </a:p>
         </p:txBody>
       </p:sp>
@@ -16170,7 +17997,7 @@
           <a:lstStyle/>
           <a:p>
             <a:r>
-              <a:rPr lang="de-DE" sz="900" dirty="0" smtClean="0">
+              <a:rPr lang="de-DE" sz="900" dirty="0">
                 <a:solidFill>
                   <a:schemeClr val="accent3">
                     <a:lumMod val="50000"/>
@@ -16179,13 +18006,6 @@
               </a:rPr>
               <a:t>1</a:t>
             </a:r>
-            <a:endParaRPr lang="de-DE" sz="900" dirty="0">
-              <a:solidFill>
-                <a:schemeClr val="accent3">
-                  <a:lumMod val="50000"/>
-                </a:schemeClr>
-              </a:solidFill>
-            </a:endParaRPr>
           </a:p>
         </p:txBody>
       </p:sp>
@@ -16212,18 +18032,13 @@
           <a:lstStyle/>
           <a:p>
             <a:r>
-              <a:rPr lang="de-DE" sz="900" dirty="0" smtClean="0">
+              <a:rPr lang="de-DE" sz="900" dirty="0">
                 <a:solidFill>
                   <a:srgbClr val="C00000"/>
                 </a:solidFill>
               </a:rPr>
               <a:t>1</a:t>
             </a:r>
-            <a:endParaRPr lang="de-DE" sz="900" dirty="0">
-              <a:solidFill>
-                <a:srgbClr val="C00000"/>
-              </a:solidFill>
-            </a:endParaRPr>
           </a:p>
         </p:txBody>
       </p:sp>
@@ -16250,18 +18065,13 @@
           <a:lstStyle/>
           <a:p>
             <a:r>
-              <a:rPr lang="de-DE" sz="900" dirty="0" smtClean="0">
+              <a:rPr lang="de-DE" sz="900" dirty="0">
                 <a:solidFill>
                   <a:srgbClr val="C00000"/>
                 </a:solidFill>
               </a:rPr>
               <a:t>2</a:t>
             </a:r>
-            <a:endParaRPr lang="de-DE" sz="900" dirty="0">
-              <a:solidFill>
-                <a:srgbClr val="C00000"/>
-              </a:solidFill>
-            </a:endParaRPr>
           </a:p>
         </p:txBody>
       </p:sp>
@@ -16288,18 +18098,13 @@
           <a:lstStyle/>
           <a:p>
             <a:r>
-              <a:rPr lang="de-DE" sz="900" dirty="0" smtClean="0">
+              <a:rPr lang="de-DE" sz="900" dirty="0">
                 <a:solidFill>
                   <a:srgbClr val="C00000"/>
                 </a:solidFill>
               </a:rPr>
               <a:t>3</a:t>
             </a:r>
-            <a:endParaRPr lang="de-DE" sz="900" dirty="0">
-              <a:solidFill>
-                <a:srgbClr val="C00000"/>
-              </a:solidFill>
-            </a:endParaRPr>
           </a:p>
         </p:txBody>
       </p:sp>
@@ -16326,18 +18131,13 @@
           <a:lstStyle/>
           <a:p>
             <a:r>
-              <a:rPr lang="de-DE" sz="900" dirty="0" smtClean="0">
+              <a:rPr lang="de-DE" sz="900" dirty="0">
                 <a:solidFill>
                   <a:srgbClr val="C00000"/>
                 </a:solidFill>
               </a:rPr>
               <a:t>4</a:t>
             </a:r>
-            <a:endParaRPr lang="de-DE" sz="900" dirty="0">
-              <a:solidFill>
-                <a:srgbClr val="C00000"/>
-              </a:solidFill>
-            </a:endParaRPr>
           </a:p>
         </p:txBody>
       </p:sp>
@@ -16364,18 +18164,13 @@
           <a:lstStyle/>
           <a:p>
             <a:r>
-              <a:rPr lang="de-DE" sz="900" dirty="0" smtClean="0">
+              <a:rPr lang="de-DE" sz="900" dirty="0">
                 <a:solidFill>
                   <a:srgbClr val="C00000"/>
                 </a:solidFill>
               </a:rPr>
               <a:t>0</a:t>
             </a:r>
-            <a:endParaRPr lang="de-DE" sz="900" dirty="0">
-              <a:solidFill>
-                <a:srgbClr val="C00000"/>
-              </a:solidFill>
-            </a:endParaRPr>
           </a:p>
         </p:txBody>
       </p:sp>
@@ -16402,18 +18197,13 @@
           <a:lstStyle/>
           <a:p>
             <a:r>
-              <a:rPr lang="de-DE" sz="900" dirty="0" smtClean="0">
+              <a:rPr lang="de-DE" sz="900" dirty="0">
                 <a:solidFill>
                   <a:schemeClr val="tx2"/>
                 </a:solidFill>
               </a:rPr>
               <a:t>20</a:t>
             </a:r>
-            <a:endParaRPr lang="de-DE" sz="900" dirty="0">
-              <a:solidFill>
-                <a:schemeClr val="tx2"/>
-              </a:solidFill>
-            </a:endParaRPr>
           </a:p>
         </p:txBody>
       </p:sp>
@@ -16440,18 +18230,13 @@
           <a:lstStyle/>
           <a:p>
             <a:r>
-              <a:rPr lang="de-DE" sz="900" dirty="0" smtClean="0">
+              <a:rPr lang="de-DE" sz="900" dirty="0">
                 <a:solidFill>
                   <a:schemeClr val="tx2"/>
                 </a:solidFill>
               </a:rPr>
               <a:t>0.455</a:t>
             </a:r>
-            <a:endParaRPr lang="de-DE" sz="900" dirty="0">
-              <a:solidFill>
-                <a:schemeClr val="tx2"/>
-              </a:solidFill>
-            </a:endParaRPr>
           </a:p>
         </p:txBody>
       </p:sp>
@@ -16505,13 +18290,6 @@
   <p:clrMapOvr>
     <a:masterClrMapping/>
   </p:clrMapOvr>
-  <p:timing>
-    <p:tnLst>
-      <p:par>
-        <p:cTn id="1" dur="indefinite" restart="never" nodeType="tmRoot"/>
-      </p:par>
-    </p:tnLst>
-  </p:timing>
 </p:sld>
 </file>
 
@@ -16811,13 +18589,6 @@
   <p:clrMapOvr>
     <a:masterClrMapping/>
   </p:clrMapOvr>
-  <p:timing>
-    <p:tnLst>
-      <p:par>
-        <p:cTn id="1" dur="indefinite" restart="never" nodeType="tmRoot"/>
-      </p:par>
-    </p:tnLst>
-  </p:timing>
 </p:sld>
 </file>
 
@@ -16957,15 +18728,7 @@
             </a:r>
             <a:r>
               <a:rPr lang="de-DE" dirty="0"/>
-              <a:t> </a:t>
-            </a:r>
-            <a:r>
-              <a:rPr lang="de-DE" dirty="0" smtClean="0"/>
-              <a:t>Linear </a:t>
-            </a:r>
-            <a:r>
-              <a:rPr lang="de-DE" dirty="0"/>
-              <a:t>Modeling</a:t>
+              <a:t> Linear Modeling</a:t>
             </a:r>
           </a:p>
         </p:txBody>
@@ -17116,13 +18879,6 @@
   <p:clrMapOvr>
     <a:masterClrMapping/>
   </p:clrMapOvr>
-  <p:timing>
-    <p:tnLst>
-      <p:par>
-        <p:cTn id="1" dur="indefinite" restart="never" nodeType="tmRoot"/>
-      </p:par>
-    </p:tnLst>
-  </p:timing>
 </p:sld>
 </file>
 
